--- a/documentation/Metaheurística Tarea 1 arreglos.pptx
+++ b/documentation/Metaheurística Tarea 1 arreglos.pptx
@@ -5,7 +5,7 @@
     <p:sldMasterId id="2147483648" r:id="rId1"/>
   </p:sldMasterIdLst>
   <p:notesMasterIdLst>
-    <p:notesMasterId r:id="rId22"/>
+    <p:notesMasterId r:id="rId24"/>
   </p:notesMasterIdLst>
   <p:sldIdLst>
     <p:sldId id="276" r:id="rId2"/>
@@ -18,16 +18,18 @@
     <p:sldId id="277" r:id="rId9"/>
     <p:sldId id="274" r:id="rId10"/>
     <p:sldId id="279" r:id="rId11"/>
-    <p:sldId id="262" r:id="rId12"/>
-    <p:sldId id="263" r:id="rId13"/>
-    <p:sldId id="264" r:id="rId14"/>
-    <p:sldId id="266" r:id="rId15"/>
-    <p:sldId id="267" r:id="rId16"/>
-    <p:sldId id="268" r:id="rId17"/>
-    <p:sldId id="269" r:id="rId18"/>
-    <p:sldId id="275" r:id="rId19"/>
-    <p:sldId id="270" r:id="rId20"/>
-    <p:sldId id="265" r:id="rId21"/>
+    <p:sldId id="281" r:id="rId12"/>
+    <p:sldId id="262" r:id="rId13"/>
+    <p:sldId id="263" r:id="rId14"/>
+    <p:sldId id="264" r:id="rId15"/>
+    <p:sldId id="280" r:id="rId16"/>
+    <p:sldId id="266" r:id="rId17"/>
+    <p:sldId id="267" r:id="rId18"/>
+    <p:sldId id="268" r:id="rId19"/>
+    <p:sldId id="269" r:id="rId20"/>
+    <p:sldId id="275" r:id="rId21"/>
+    <p:sldId id="270" r:id="rId22"/>
+    <p:sldId id="265" r:id="rId23"/>
   </p:sldIdLst>
   <p:sldSz cx="12192000" cy="6858000"/>
   <p:notesSz cx="6858000" cy="9144000"/>
@@ -227,7 +229,7 @@
           <a:p>
             <a:fld id="{C5D33CC1-A9BA-4EBB-A0F2-14785481E855}" type="datetimeFigureOut">
               <a:rPr lang="es-419" smtClean="0"/>
-              <a:t>15/5/2021</a:t>
+              <a:t>17/5/2021</a:t>
             </a:fld>
             <a:endParaRPr lang="es-419"/>
           </a:p>
@@ -886,7 +888,7 @@
           <a:p>
             <a:fld id="{C80C79EB-8D52-470A-9DC2-D18E42773825}" type="slidenum">
               <a:rPr lang="es-419" smtClean="0"/>
-              <a:t>12</a:t>
+              <a:t>13</a:t>
             </a:fld>
             <a:endParaRPr lang="es-419" dirty="0"/>
           </a:p>
@@ -970,7 +972,7 @@
           <a:p>
             <a:fld id="{C80C79EB-8D52-470A-9DC2-D18E42773825}" type="slidenum">
               <a:rPr lang="es-419" smtClean="0"/>
-              <a:t>13</a:t>
+              <a:t>14</a:t>
             </a:fld>
             <a:endParaRPr lang="es-419"/>
           </a:p>
@@ -1054,7 +1056,91 @@
           <a:p>
             <a:fld id="{C80C79EB-8D52-470A-9DC2-D18E42773825}" type="slidenum">
               <a:rPr lang="es-419" smtClean="0"/>
-              <a:t>14</a:t>
+              <a:t>15</a:t>
+            </a:fld>
+            <a:endParaRPr lang="es-419"/>
+          </a:p>
+        </p:txBody>
+      </p:sp>
+    </p:spTree>
+    <p:extLst>
+      <p:ext uri="{BB962C8B-B14F-4D97-AF65-F5344CB8AC3E}">
+        <p14:creationId xmlns:p14="http://schemas.microsoft.com/office/powerpoint/2010/main" val="1016546989"/>
+      </p:ext>
+    </p:extLst>
+  </p:cSld>
+  <p:clrMapOvr>
+    <a:masterClrMapping/>
+  </p:clrMapOvr>
+</p:notes>
+</file>
+
+<file path=ppt/notesSlides/notesSlide7.xml><?xml version="1.0" encoding="utf-8"?>
+<p:notes xmlns:a="http://schemas.openxmlformats.org/drawingml/2006/main" xmlns:r="http://schemas.openxmlformats.org/officeDocument/2006/relationships" xmlns:p="http://schemas.openxmlformats.org/presentationml/2006/main">
+  <p:cSld>
+    <p:spTree>
+      <p:nvGrpSpPr>
+        <p:cNvPr id="1" name=""/>
+        <p:cNvGrpSpPr/>
+        <p:nvPr/>
+      </p:nvGrpSpPr>
+      <p:grpSpPr>
+        <a:xfrm>
+          <a:off x="0" y="0"/>
+          <a:ext cx="0" cy="0"/>
+          <a:chOff x="0" y="0"/>
+          <a:chExt cx="0" cy="0"/>
+        </a:xfrm>
+      </p:grpSpPr>
+      <p:sp>
+        <p:nvSpPr>
+          <p:cNvPr id="2" name="Slide Image Placeholder 1"/>
+          <p:cNvSpPr>
+            <a:spLocks noGrp="1" noRot="1" noChangeAspect="1"/>
+          </p:cNvSpPr>
+          <p:nvPr>
+            <p:ph type="sldImg"/>
+          </p:nvPr>
+        </p:nvSpPr>
+        <p:spPr/>
+      </p:sp>
+      <p:sp>
+        <p:nvSpPr>
+          <p:cNvPr id="3" name="Notes Placeholder 2"/>
+          <p:cNvSpPr>
+            <a:spLocks noGrp="1"/>
+          </p:cNvSpPr>
+          <p:nvPr>
+            <p:ph type="body" idx="1"/>
+          </p:nvPr>
+        </p:nvSpPr>
+        <p:spPr/>
+        <p:txBody>
+          <a:bodyPr/>
+          <a:lstStyle/>
+          <a:p>
+            <a:endParaRPr lang="en-US" dirty="0"/>
+          </a:p>
+        </p:txBody>
+      </p:sp>
+      <p:sp>
+        <p:nvSpPr>
+          <p:cNvPr id="4" name="Slide Number Placeholder 3"/>
+          <p:cNvSpPr>
+            <a:spLocks noGrp="1"/>
+          </p:cNvSpPr>
+          <p:nvPr>
+            <p:ph type="sldNum" sz="quarter" idx="10"/>
+          </p:nvPr>
+        </p:nvSpPr>
+        <p:spPr/>
+        <p:txBody>
+          <a:bodyPr/>
+          <a:lstStyle/>
+          <a:p>
+            <a:fld id="{C80C79EB-8D52-470A-9DC2-D18E42773825}" type="slidenum">
+              <a:rPr lang="es-419" smtClean="0"/>
+              <a:t>16</a:t>
             </a:fld>
             <a:endParaRPr lang="es-419"/>
           </a:p>
@@ -1073,7 +1159,7 @@
 </p:notes>
 </file>
 
-<file path=ppt/notesSlides/notesSlide7.xml><?xml version="1.0" encoding="utf-8"?>
+<file path=ppt/notesSlides/notesSlide8.xml><?xml version="1.0" encoding="utf-8"?>
 <p:notes xmlns:a="http://schemas.openxmlformats.org/drawingml/2006/main" xmlns:r="http://schemas.openxmlformats.org/officeDocument/2006/relationships" xmlns:p="http://schemas.openxmlformats.org/presentationml/2006/main">
   <p:cSld>
     <p:spTree>
@@ -1378,7 +1464,7 @@
           <a:p>
             <a:fld id="{C80C79EB-8D52-470A-9DC2-D18E42773825}" type="slidenum">
               <a:rPr lang="es-419" smtClean="0"/>
-              <a:t>19</a:t>
+              <a:t>21</a:t>
             </a:fld>
             <a:endParaRPr lang="es-419"/>
           </a:p>
@@ -1583,7 +1669,7 @@
           <a:p>
             <a:fld id="{4AAD347D-5ACD-4C99-B74B-A9C85AD731AF}" type="datetimeFigureOut">
               <a:rPr lang="en-US" dirty="0"/>
-              <a:t>5/15/2021</a:t>
+              <a:t>5/17/2021</a:t>
             </a:fld>
             <a:endParaRPr lang="en-US" dirty="0"/>
           </a:p>
@@ -1853,7 +1939,7 @@
           <a:p>
             <a:fld id="{4509A250-FF31-4206-8172-F9D3106AACB1}" type="datetimeFigureOut">
               <a:rPr lang="en-US" dirty="0"/>
-              <a:t>5/15/2021</a:t>
+              <a:t>5/17/2021</a:t>
             </a:fld>
             <a:endParaRPr lang="en-US" dirty="0"/>
           </a:p>
@@ -2042,7 +2128,7 @@
           <a:p>
             <a:fld id="{4509A250-FF31-4206-8172-F9D3106AACB1}" type="datetimeFigureOut">
               <a:rPr lang="en-US" dirty="0"/>
-              <a:t>5/15/2021</a:t>
+              <a:t>5/17/2021</a:t>
             </a:fld>
             <a:endParaRPr lang="en-US" dirty="0"/>
           </a:p>
@@ -2310,7 +2396,7 @@
           <a:p>
             <a:fld id="{4509A250-FF31-4206-8172-F9D3106AACB1}" type="datetimeFigureOut">
               <a:rPr lang="en-US" dirty="0"/>
-              <a:t>5/15/2021</a:t>
+              <a:t>5/17/2021</a:t>
             </a:fld>
             <a:endParaRPr lang="en-US" dirty="0"/>
           </a:p>
@@ -2646,7 +2732,7 @@
           <a:p>
             <a:fld id="{4509A250-FF31-4206-8172-F9D3106AACB1}" type="datetimeFigureOut">
               <a:rPr lang="en-US" dirty="0"/>
-              <a:t>5/15/2021</a:t>
+              <a:t>5/17/2021</a:t>
             </a:fld>
             <a:endParaRPr lang="en-US" dirty="0"/>
           </a:p>
@@ -3264,7 +3350,7 @@
           <a:p>
             <a:fld id="{4509A250-FF31-4206-8172-F9D3106AACB1}" type="datetimeFigureOut">
               <a:rPr lang="en-US" dirty="0"/>
-              <a:t>5/15/2021</a:t>
+              <a:t>5/17/2021</a:t>
             </a:fld>
             <a:endParaRPr lang="en-US" dirty="0"/>
           </a:p>
@@ -4119,7 +4205,7 @@
           <a:p>
             <a:fld id="{4509A250-FF31-4206-8172-F9D3106AACB1}" type="datetimeFigureOut">
               <a:rPr lang="en-US" dirty="0"/>
-              <a:t>5/15/2021</a:t>
+              <a:t>5/17/2021</a:t>
             </a:fld>
             <a:endParaRPr lang="en-US" dirty="0"/>
           </a:p>
@@ -4284,7 +4370,7 @@
           <a:p>
             <a:fld id="{4509A250-FF31-4206-8172-F9D3106AACB1}" type="datetimeFigureOut">
               <a:rPr lang="en-US" dirty="0"/>
-              <a:t>5/15/2021</a:t>
+              <a:t>5/17/2021</a:t>
             </a:fld>
             <a:endParaRPr lang="en-US" dirty="0"/>
           </a:p>
@@ -4459,7 +4545,7 @@
           <a:p>
             <a:fld id="{4509A250-FF31-4206-8172-F9D3106AACB1}" type="datetimeFigureOut">
               <a:rPr lang="en-US" dirty="0"/>
-              <a:t>5/15/2021</a:t>
+              <a:t>5/17/2021</a:t>
             </a:fld>
             <a:endParaRPr lang="en-US" dirty="0"/>
           </a:p>
@@ -4624,7 +4710,7 @@
           <a:p>
             <a:fld id="{4509A250-FF31-4206-8172-F9D3106AACB1}" type="datetimeFigureOut">
               <a:rPr lang="en-US" dirty="0"/>
-              <a:t>5/15/2021</a:t>
+              <a:t>5/17/2021</a:t>
             </a:fld>
             <a:endParaRPr lang="en-US" dirty="0"/>
           </a:p>
@@ -4866,7 +4952,7 @@
           <a:p>
             <a:fld id="{9796027F-7875-4030-9381-8BD8C4F21935}" type="datetimeFigureOut">
               <a:rPr lang="en-US" dirty="0"/>
-              <a:t>5/15/2021</a:t>
+              <a:t>5/17/2021</a:t>
             </a:fld>
             <a:endParaRPr lang="en-US" dirty="0"/>
           </a:p>
@@ -5153,7 +5239,7 @@
           <a:p>
             <a:fld id="{9796027F-7875-4030-9381-8BD8C4F21935}" type="datetimeFigureOut">
               <a:rPr lang="en-US" dirty="0"/>
-              <a:t>5/15/2021</a:t>
+              <a:t>5/17/2021</a:t>
             </a:fld>
             <a:endParaRPr lang="en-US" dirty="0"/>
           </a:p>
@@ -5592,7 +5678,7 @@
           <a:p>
             <a:fld id="{9796027F-7875-4030-9381-8BD8C4F21935}" type="datetimeFigureOut">
               <a:rPr lang="en-US" dirty="0"/>
-              <a:t>5/15/2021</a:t>
+              <a:t>5/17/2021</a:t>
             </a:fld>
             <a:endParaRPr lang="en-US" dirty="0"/>
           </a:p>
@@ -5705,7 +5791,7 @@
           <a:p>
             <a:fld id="{4509A250-FF31-4206-8172-F9D3106AACB1}" type="datetimeFigureOut">
               <a:rPr lang="en-US" dirty="0"/>
-              <a:t>5/15/2021</a:t>
+              <a:t>5/17/2021</a:t>
             </a:fld>
             <a:endParaRPr lang="en-US" dirty="0"/>
           </a:p>
@@ -5795,7 +5881,7 @@
           <a:p>
             <a:fld id="{4509A250-FF31-4206-8172-F9D3106AACB1}" type="datetimeFigureOut">
               <a:rPr lang="en-US" dirty="0"/>
-              <a:t>5/15/2021</a:t>
+              <a:t>5/17/2021</a:t>
             </a:fld>
             <a:endParaRPr lang="en-US" dirty="0"/>
           </a:p>
@@ -6069,7 +6155,7 @@
           <a:p>
             <a:fld id="{4509A250-FF31-4206-8172-F9D3106AACB1}" type="datetimeFigureOut">
               <a:rPr lang="en-US" dirty="0"/>
-              <a:t>5/15/2021</a:t>
+              <a:t>5/17/2021</a:t>
             </a:fld>
             <a:endParaRPr lang="en-US" dirty="0"/>
           </a:p>
@@ -6339,7 +6425,7 @@
           <a:p>
             <a:fld id="{4509A250-FF31-4206-8172-F9D3106AACB1}" type="datetimeFigureOut">
               <a:rPr lang="en-US" dirty="0"/>
-              <a:t>5/15/2021</a:t>
+              <a:t>5/17/2021</a:t>
             </a:fld>
             <a:endParaRPr lang="en-US" dirty="0"/>
           </a:p>
@@ -6763,7 +6849,7 @@
           <a:p>
             <a:fld id="{4AAD347D-5ACD-4C99-B74B-A9C85AD731AF}" type="datetimeFigureOut">
               <a:rPr lang="en-US" dirty="0"/>
-              <a:t>5/15/2021</a:t>
+              <a:t>5/17/2021</a:t>
             </a:fld>
             <a:endParaRPr lang="en-US" dirty="0"/>
           </a:p>
@@ -7453,13 +7539,45 @@
           <a:p>
             <a:r>
               <a:rPr lang="es-ES" dirty="0" smtClean="0"/>
-              <a:t>En el caso de la primera formulación el espacio de búsqueda contempla muchas soluciones que son equivalentes pues para el problema interesa la distribución de los colores y no el nombre de la etiqueta (del color) que se les da.</a:t>
-            </a:r>
-          </a:p>
-          <a:p>
+              <a:t>En el caso de la primera </a:t>
+            </a:r>
             <a:r>
               <a:rPr lang="es-ES" dirty="0" smtClean="0"/>
-              <a:t>Con la segunda formulación al plantearlo como un problema de distribución se resuelve este problema, pues elimina las soluciones simétricas, reduciendo considerablemente el espacio de búsqueda</a:t>
+              <a:t>formulación, </a:t>
+            </a:r>
+            <a:r>
+              <a:rPr lang="es-ES" dirty="0" smtClean="0"/>
+              <a:t>el espacio de búsqueda contempla muchas soluciones que son </a:t>
+            </a:r>
+            <a:r>
+              <a:rPr lang="es-ES" dirty="0" smtClean="0"/>
+              <a:t>equivalentes, </a:t>
+            </a:r>
+            <a:r>
+              <a:rPr lang="es-ES" dirty="0" smtClean="0"/>
+              <a:t>pues para el problema interesa la diferenciación de los colores y no el nombre de la etiqueta (del color) como tal.</a:t>
+            </a:r>
+          </a:p>
+          <a:p>
+            <a:r>
+              <a:rPr lang="es-ES" dirty="0" smtClean="0"/>
+              <a:t>Con la segunda </a:t>
+            </a:r>
+            <a:r>
+              <a:rPr lang="es-ES" dirty="0" smtClean="0"/>
+              <a:t>formulación, </a:t>
+            </a:r>
+            <a:r>
+              <a:rPr lang="es-ES" dirty="0" smtClean="0"/>
+              <a:t>al plantearlo como un problema de </a:t>
+            </a:r>
+            <a:r>
+              <a:rPr lang="es-ES" dirty="0" smtClean="0"/>
+              <a:t>distribución </a:t>
+            </a:r>
+            <a:r>
+              <a:rPr lang="es-ES" dirty="0" smtClean="0"/>
+              <a:t>se resuelve este problema, pues elimina las soluciones simétricas, reduciendo considerablemente el espacio de búsqueda</a:t>
             </a:r>
             <a:endParaRPr lang="es-ES" dirty="0"/>
           </a:p>
@@ -7848,6 +7966,229 @@
             <p:ph type="title"/>
           </p:nvPr>
         </p:nvSpPr>
+        <p:spPr/>
+        <p:txBody>
+          <a:bodyPr/>
+          <a:lstStyle/>
+          <a:p>
+            <a:r>
+              <a:rPr lang="en-US" dirty="0" err="1" smtClean="0"/>
+              <a:t>Casos</a:t>
+            </a:r>
+            <a:r>
+              <a:rPr lang="en-US" dirty="0" smtClean="0"/>
+              <a:t> </a:t>
+            </a:r>
+            <a:r>
+              <a:rPr lang="en-US" dirty="0" err="1" smtClean="0"/>
+              <a:t>Especiales</a:t>
+            </a:r>
+            <a:r>
+              <a:rPr lang="en-US" dirty="0" smtClean="0"/>
+              <a:t> de </a:t>
+            </a:r>
+            <a:r>
+              <a:rPr lang="en-US" dirty="0" err="1" smtClean="0"/>
+              <a:t>Grafos</a:t>
+            </a:r>
+            <a:endParaRPr lang="es-419" dirty="0"/>
+          </a:p>
+        </p:txBody>
+      </p:sp>
+      <p:sp>
+        <p:nvSpPr>
+          <p:cNvPr id="3" name="Content Placeholder 2"/>
+          <p:cNvSpPr>
+            <a:spLocks noGrp="1"/>
+          </p:cNvSpPr>
+          <p:nvPr>
+            <p:ph idx="1"/>
+          </p:nvPr>
+        </p:nvSpPr>
+        <p:spPr/>
+        <p:txBody>
+          <a:bodyPr/>
+          <a:lstStyle/>
+          <a:p>
+            <a:r>
+              <a:rPr lang="en-US" dirty="0" err="1" smtClean="0"/>
+              <a:t>Completos</a:t>
+            </a:r>
+            <a:endParaRPr lang="en-US" dirty="0" smtClean="0"/>
+          </a:p>
+          <a:p>
+            <a:r>
+              <a:rPr lang="en-US" dirty="0" err="1" smtClean="0"/>
+              <a:t>Bipartitos</a:t>
+            </a:r>
+            <a:endParaRPr lang="en-US" dirty="0" smtClean="0"/>
+          </a:p>
+          <a:p>
+            <a:r>
+              <a:rPr lang="en-US" dirty="0" err="1" smtClean="0"/>
+              <a:t>Ciclicos</a:t>
+            </a:r>
+            <a:endParaRPr lang="en-US" dirty="0"/>
+          </a:p>
+          <a:p>
+            <a:r>
+              <a:rPr lang="en-US" dirty="0" smtClean="0"/>
+              <a:t>Wheel(</a:t>
+            </a:r>
+            <a:r>
+              <a:rPr lang="en-US" dirty="0" err="1" smtClean="0"/>
+              <a:t>rueda</a:t>
+            </a:r>
+            <a:r>
+              <a:rPr lang="en-US" dirty="0" smtClean="0"/>
+              <a:t> no </a:t>
+            </a:r>
+            <a:r>
+              <a:rPr lang="en-US" dirty="0" err="1" smtClean="0"/>
+              <a:t>creo</a:t>
+            </a:r>
+            <a:r>
+              <a:rPr lang="en-US" dirty="0" smtClean="0"/>
+              <a:t> q sea la </a:t>
+            </a:r>
+            <a:r>
+              <a:rPr lang="en-US" dirty="0" err="1" smtClean="0"/>
+              <a:t>traducci</a:t>
+            </a:r>
+            <a:r>
+              <a:rPr lang="es-ES" dirty="0" err="1" smtClean="0"/>
+              <a:t>ón</a:t>
+            </a:r>
+            <a:r>
+              <a:rPr lang="en-US" dirty="0" smtClean="0"/>
+              <a:t>)</a:t>
+            </a:r>
+          </a:p>
+          <a:p>
+            <a:r>
+              <a:rPr lang="en-US" dirty="0" err="1" smtClean="0"/>
+              <a:t>Planos</a:t>
+            </a:r>
+            <a:endParaRPr lang="en-US" dirty="0" smtClean="0"/>
+          </a:p>
+          <a:p>
+            <a:r>
+              <a:rPr lang="en-US" dirty="0" smtClean="0"/>
+              <a:t>Grid(</a:t>
+            </a:r>
+            <a:r>
+              <a:rPr lang="en-US" dirty="0" err="1" smtClean="0"/>
+              <a:t>buscar</a:t>
+            </a:r>
+            <a:r>
+              <a:rPr lang="en-US" dirty="0" smtClean="0"/>
+              <a:t> que </a:t>
+            </a:r>
+            <a:r>
+              <a:rPr lang="en-US" dirty="0" err="1" smtClean="0"/>
+              <a:t>traducci</a:t>
+            </a:r>
+            <a:r>
+              <a:rPr lang="es-ES" dirty="0" err="1" smtClean="0"/>
+              <a:t>ó</a:t>
+            </a:r>
+            <a:r>
+              <a:rPr lang="en-US" dirty="0" smtClean="0"/>
+              <a:t>n se </a:t>
+            </a:r>
+            <a:r>
+              <a:rPr lang="en-US" dirty="0" err="1" smtClean="0"/>
+              <a:t>emplea</a:t>
+            </a:r>
+            <a:r>
+              <a:rPr lang="en-US" dirty="0" smtClean="0"/>
+              <a:t> </a:t>
+            </a:r>
+            <a:r>
+              <a:rPr lang="en-US" dirty="0" err="1" smtClean="0"/>
+              <a:t>aquí</a:t>
+            </a:r>
+            <a:r>
+              <a:rPr lang="en-US" dirty="0" smtClean="0"/>
+              <a:t> </a:t>
+            </a:r>
+            <a:r>
+              <a:rPr lang="en-US" dirty="0" err="1" smtClean="0"/>
+              <a:t>si</a:t>
+            </a:r>
+            <a:r>
+              <a:rPr lang="en-US" dirty="0" smtClean="0"/>
+              <a:t> </a:t>
+            </a:r>
+            <a:r>
+              <a:rPr lang="en-US" dirty="0" err="1" smtClean="0"/>
+              <a:t>puede</a:t>
+            </a:r>
+            <a:r>
+              <a:rPr lang="en-US" dirty="0" smtClean="0"/>
+              <a:t> que sea </a:t>
+            </a:r>
+            <a:r>
+              <a:rPr lang="en-US" dirty="0" err="1" smtClean="0"/>
+              <a:t>rejilla</a:t>
+            </a:r>
+            <a:r>
+              <a:rPr lang="en-US" dirty="0" smtClean="0"/>
+              <a:t>)</a:t>
+            </a:r>
+          </a:p>
+          <a:p>
+            <a:endParaRPr lang="es-419" dirty="0"/>
+          </a:p>
+        </p:txBody>
+      </p:sp>
+    </p:spTree>
+    <p:extLst>
+      <p:ext uri="{BB962C8B-B14F-4D97-AF65-F5344CB8AC3E}">
+        <p14:creationId xmlns:p14="http://schemas.microsoft.com/office/powerpoint/2010/main" val="3195596983"/>
+      </p:ext>
+    </p:extLst>
+  </p:cSld>
+  <p:clrMapOvr>
+    <a:masterClrMapping/>
+  </p:clrMapOvr>
+  <p:timing>
+    <p:tnLst>
+      <p:par>
+        <p:cTn id="1" dur="indefinite" restart="never" nodeType="tmRoot"/>
+      </p:par>
+    </p:tnLst>
+  </p:timing>
+</p:sld>
+</file>
+
+<file path=ppt/slides/slide12.xml><?xml version="1.0" encoding="utf-8"?>
+<p:sld xmlns:a="http://schemas.openxmlformats.org/drawingml/2006/main" xmlns:r="http://schemas.openxmlformats.org/officeDocument/2006/relationships" xmlns:p="http://schemas.openxmlformats.org/presentationml/2006/main">
+  <p:cSld>
+    <p:spTree>
+      <p:nvGrpSpPr>
+        <p:cNvPr id="1" name=""/>
+        <p:cNvGrpSpPr/>
+        <p:nvPr/>
+      </p:nvGrpSpPr>
+      <p:grpSpPr>
+        <a:xfrm>
+          <a:off x="0" y="0"/>
+          <a:ext cx="0" cy="0"/>
+          <a:chOff x="0" y="0"/>
+          <a:chExt cx="0" cy="0"/>
+        </a:xfrm>
+      </p:grpSpPr>
+      <p:sp>
+        <p:nvSpPr>
+          <p:cNvPr id="2" name="Title 1"/>
+          <p:cNvSpPr>
+            <a:spLocks noGrp="1"/>
+          </p:cNvSpPr>
+          <p:nvPr>
+            <p:ph type="title"/>
+          </p:nvPr>
+        </p:nvSpPr>
         <p:spPr>
           <a:xfrm>
             <a:off x="1490172" y="2562872"/>
@@ -7898,7 +8239,7 @@
 </p:sld>
 </file>
 
-<file path=ppt/slides/slide12.xml><?xml version="1.0" encoding="utf-8"?>
+<file path=ppt/slides/slide13.xml><?xml version="1.0" encoding="utf-8"?>
 <p:sld xmlns:a="http://schemas.openxmlformats.org/drawingml/2006/main" xmlns:r="http://schemas.openxmlformats.org/officeDocument/2006/relationships" xmlns:p="http://schemas.openxmlformats.org/presentationml/2006/main">
   <p:cSld>
     <p:spTree>
@@ -8746,8 +9087,8 @@
 </p:sld>
 </file>
 
-<file path=ppt/slides/slide13.xml><?xml version="1.0" encoding="utf-8"?>
-<p:sld xmlns:a="http://schemas.openxmlformats.org/drawingml/2006/main" xmlns:r="http://schemas.openxmlformats.org/officeDocument/2006/relationships" xmlns:p="http://schemas.openxmlformats.org/presentationml/2006/main">
+<file path=ppt/slides/slide14.xml><?xml version="1.0" encoding="utf-8"?>
+<p:sld xmlns:a="http://schemas.openxmlformats.org/drawingml/2006/main" xmlns:r="http://schemas.openxmlformats.org/officeDocument/2006/relationships" xmlns:p="http://schemas.openxmlformats.org/presentationml/2006/main" show="0">
   <p:cSld>
     <p:spTree>
       <p:nvGrpSpPr>
@@ -9634,6 +9975,14 @@
   <p:clrMapOvr>
     <a:masterClrMapping/>
   </p:clrMapOvr>
+  <mc:AlternateContent xmlns:mc="http://schemas.openxmlformats.org/markup-compatibility/2006" xmlns:p14="http://schemas.microsoft.com/office/powerpoint/2010/main">
+    <mc:Choice Requires="p14">
+      <p:transition spd="slow" p14:dur="2000"/>
+    </mc:Choice>
+    <mc:Fallback xmlns="">
+      <p:transition spd="slow"/>
+    </mc:Fallback>
+  </mc:AlternateContent>
   <p:timing>
     <p:tnLst>
       <p:par>
@@ -9644,7 +9993,905 @@
 </p:sld>
 </file>
 
-<file path=ppt/slides/slide14.xml><?xml version="1.0" encoding="utf-8"?>
+<file path=ppt/slides/slide15.xml><?xml version="1.0" encoding="utf-8"?>
+<p:sld xmlns:a="http://schemas.openxmlformats.org/drawingml/2006/main" xmlns:r="http://schemas.openxmlformats.org/officeDocument/2006/relationships" xmlns:p="http://schemas.openxmlformats.org/presentationml/2006/main">
+  <p:cSld>
+    <p:spTree>
+      <p:nvGrpSpPr>
+        <p:cNvPr id="1" name=""/>
+        <p:cNvGrpSpPr/>
+        <p:nvPr/>
+      </p:nvGrpSpPr>
+      <p:grpSpPr>
+        <a:xfrm>
+          <a:off x="0" y="0"/>
+          <a:ext cx="0" cy="0"/>
+          <a:chOff x="0" y="0"/>
+          <a:chExt cx="0" cy="0"/>
+        </a:xfrm>
+      </p:grpSpPr>
+      <p:sp>
+        <p:nvSpPr>
+          <p:cNvPr id="2" name="Title 1"/>
+          <p:cNvSpPr>
+            <a:spLocks noGrp="1"/>
+          </p:cNvSpPr>
+          <p:nvPr>
+            <p:ph type="title"/>
+          </p:nvPr>
+        </p:nvSpPr>
+        <p:spPr>
+          <a:xfrm>
+            <a:off x="646111" y="291353"/>
+            <a:ext cx="9404723" cy="1400530"/>
+          </a:xfrm>
+        </p:spPr>
+        <p:txBody>
+          <a:bodyPr/>
+          <a:lstStyle/>
+          <a:p>
+            <a:r>
+              <a:rPr lang="es-ES" dirty="0"/>
+              <a:t>E</a:t>
+            </a:r>
+            <a:r>
+              <a:rPr lang="es-ES" dirty="0" smtClean="0"/>
+              <a:t>nfoque </a:t>
+            </a:r>
+            <a:r>
+              <a:rPr lang="es-ES" dirty="0"/>
+              <a:t>heurístico de solución</a:t>
+            </a:r>
+            <a:r>
+              <a:rPr lang="es-ES" dirty="0" smtClean="0"/>
+              <a:t>:</a:t>
+            </a:r>
+            <a:br>
+              <a:rPr lang="es-ES" dirty="0" smtClean="0"/>
+            </a:br>
+            <a:r>
+              <a:rPr lang="es-ES" dirty="0"/>
+              <a:t/>
+            </a:r>
+            <a:br>
+              <a:rPr lang="es-ES" dirty="0"/>
+            </a:br>
+            <a:endParaRPr lang="en-US" dirty="0"/>
+          </a:p>
+        </p:txBody>
+      </p:sp>
+      <mc:AlternateContent xmlns:mc="http://schemas.openxmlformats.org/markup-compatibility/2006" xmlns:a14="http://schemas.microsoft.com/office/drawing/2010/main">
+        <mc:Choice Requires="a14">
+          <p:sp>
+            <p:nvSpPr>
+              <p:cNvPr id="3" name="Content Placeholder 2"/>
+              <p:cNvSpPr>
+                <a:spLocks noGrp="1"/>
+              </p:cNvSpPr>
+              <p:nvPr>
+                <p:ph idx="1"/>
+              </p:nvPr>
+            </p:nvSpPr>
+            <p:spPr>
+              <a:xfrm>
+                <a:off x="788894" y="1570531"/>
+                <a:ext cx="10542494" cy="5056094"/>
+              </a:xfrm>
+            </p:spPr>
+            <p:txBody>
+              <a:bodyPr>
+                <a:normAutofit fontScale="62500" lnSpcReduction="20000"/>
+              </a:bodyPr>
+              <a:lstStyle/>
+              <a:p>
+                <a:pPr marL="0" indent="0">
+                  <a:buNone/>
+                </a:pPr>
+                <a:r>
+                  <a:rPr lang="es-ES" sz="2900" dirty="0" smtClean="0"/>
+                  <a:t>Algoritmo </a:t>
+                </a:r>
+                <a:r>
+                  <a:rPr lang="es-ES" sz="2900" dirty="0"/>
+                  <a:t>voraz para la coloración de </a:t>
+                </a:r>
+                <a:r>
+                  <a:rPr lang="es-ES" sz="2900" dirty="0" smtClean="0"/>
+                  <a:t>nodos</a:t>
+                </a:r>
+              </a:p>
+              <a:p>
+                <a:pPr marL="0" indent="0">
+                  <a:buNone/>
+                </a:pPr>
+                <a:endParaRPr lang="en-US" sz="2900" dirty="0"/>
+              </a:p>
+              <a:p>
+                <a:pPr marL="0" indent="0">
+                  <a:buNone/>
+                </a:pPr>
+                <a:r>
+                  <a:rPr lang="es-ES" sz="2900" dirty="0" err="1" smtClean="0"/>
+                  <a:t>Greedy</a:t>
+                </a:r>
+                <a:r>
+                  <a:rPr lang="es-ES" sz="2900" dirty="0" smtClean="0"/>
+                  <a:t> </a:t>
+                </a:r>
+                <a:r>
+                  <a:rPr lang="es-ES" sz="2900" dirty="0"/>
+                  <a:t>(S </a:t>
+                </a:r>
+                <a14:m>
+                  <m:oMath xmlns:m="http://schemas.openxmlformats.org/officeDocument/2006/math">
+                    <m:r>
+                      <a:rPr lang="es-ES" sz="2900" i="1">
+                        <a:latin typeface="Cambria Math" panose="02040503050406030204" pitchFamily="18" charset="0"/>
+                      </a:rPr>
+                      <m:t>←</m:t>
+                    </m:r>
+                  </m:oMath>
+                </a14:m>
+                <a:r>
+                  <a:rPr lang="es-ES" sz="2900" dirty="0"/>
+                  <a:t> ø,</a:t>
+                </a:r>
+                <a14:m>
+                  <m:oMath xmlns:m="http://schemas.openxmlformats.org/officeDocument/2006/math">
+                    <m:r>
+                      <a:rPr lang="es-ES" sz="2900" i="1">
+                        <a:latin typeface="Cambria Math" panose="02040503050406030204" pitchFamily="18" charset="0"/>
+                      </a:rPr>
+                      <m:t>𝜋</m:t>
+                    </m:r>
+                  </m:oMath>
+                </a14:m>
+                <a:r>
+                  <a:rPr lang="es-ES" sz="2900" dirty="0"/>
+                  <a:t>)</a:t>
+                </a:r>
+                <a:endParaRPr lang="en-US" sz="2900" dirty="0"/>
+              </a:p>
+              <a:p>
+                <a:pPr marL="0" indent="0">
+                  <a:buNone/>
+                </a:pPr>
+                <a:r>
+                  <a:rPr lang="en-US" sz="2900" b="1" dirty="0"/>
+                  <a:t>for </a:t>
+                </a:r>
+                <a:r>
+                  <a:rPr lang="en-US" sz="2900" dirty="0"/>
+                  <a:t>i</a:t>
+                </a:r>
+                <a14:m>
+                  <m:oMath xmlns:m="http://schemas.openxmlformats.org/officeDocument/2006/math">
+                    <m:r>
+                      <a:rPr lang="en-US" sz="2900" i="1">
+                        <a:latin typeface="Cambria Math" panose="02040503050406030204" pitchFamily="18" charset="0"/>
+                      </a:rPr>
+                      <m:t>←1</m:t>
+                    </m:r>
+                  </m:oMath>
+                </a14:m>
+                <a:r>
+                  <a:rPr lang="en-US" sz="2900" b="1" dirty="0"/>
+                  <a:t>to </a:t>
+                </a:r>
+                <a:r>
+                  <a:rPr lang="en-US" sz="2900" dirty="0"/>
+                  <a:t>|</a:t>
+                </a:r>
+                <a14:m>
+                  <m:oMath xmlns:m="http://schemas.openxmlformats.org/officeDocument/2006/math">
+                    <m:r>
+                      <a:rPr lang="en-US" sz="2900" i="1">
+                        <a:latin typeface="Cambria Math" panose="02040503050406030204" pitchFamily="18" charset="0"/>
+                      </a:rPr>
+                      <m:t>𝜋</m:t>
+                    </m:r>
+                  </m:oMath>
+                </a14:m>
+                <a:r>
+                  <a:rPr lang="en-US" sz="2900" dirty="0"/>
+                  <a:t>| </a:t>
+                </a:r>
+                <a:r>
+                  <a:rPr lang="en-US" sz="2900" b="1" dirty="0"/>
+                  <a:t>do</a:t>
+                </a:r>
+                <a:endParaRPr lang="en-US" sz="2900" dirty="0"/>
+              </a:p>
+              <a:p>
+                <a:pPr marL="0" indent="0">
+                  <a:buNone/>
+                </a:pPr>
+                <a:r>
+                  <a:rPr lang="en-US" sz="2900" b="1" dirty="0" smtClean="0"/>
+                  <a:t>	for</a:t>
+                </a:r>
+                <a:r>
+                  <a:rPr lang="en-US" sz="2900" dirty="0" smtClean="0"/>
+                  <a:t> </a:t>
+                </a:r>
+                <a:r>
+                  <a:rPr lang="en-US" sz="2900" dirty="0"/>
+                  <a:t>j</a:t>
+                </a:r>
+                <a14:m>
+                  <m:oMath xmlns:m="http://schemas.openxmlformats.org/officeDocument/2006/math">
+                    <m:r>
+                      <a:rPr lang="en-US" sz="2900" i="1">
+                        <a:latin typeface="Cambria Math" panose="02040503050406030204" pitchFamily="18" charset="0"/>
+                      </a:rPr>
+                      <m:t>←</m:t>
+                    </m:r>
+                  </m:oMath>
+                </a14:m>
+                <a:r>
+                  <a:rPr lang="en-US" sz="2900" dirty="0"/>
+                  <a:t>1 </a:t>
+                </a:r>
+                <a:r>
+                  <a:rPr lang="en-US" sz="2900" b="1" dirty="0"/>
+                  <a:t>to</a:t>
+                </a:r>
+                <a:r>
+                  <a:rPr lang="en-US" sz="2900" dirty="0"/>
+                  <a:t> |S|</a:t>
+                </a:r>
+              </a:p>
+              <a:p>
+                <a:pPr marL="0" indent="0">
+                  <a:buNone/>
+                </a:pPr>
+                <a:r>
+                  <a:rPr lang="en-US" sz="2900" dirty="0"/>
+                  <a:t>		</a:t>
+                </a:r>
+                <a:r>
+                  <a:rPr lang="en-US" sz="2900" b="1" dirty="0"/>
+                  <a:t>if</a:t>
+                </a:r>
+                <a:r>
+                  <a:rPr lang="en-US" sz="2900" dirty="0"/>
+                  <a:t>(</a:t>
+                </a:r>
+                <a14:m>
+                  <m:oMath xmlns:m="http://schemas.openxmlformats.org/officeDocument/2006/math">
+                    <m:sSub>
+                      <m:sSubPr>
+                        <m:ctrlPr>
+                          <a:rPr lang="en-US" sz="2900" i="1">
+                            <a:latin typeface="Cambria Math" panose="02040503050406030204" pitchFamily="18" charset="0"/>
+                          </a:rPr>
+                        </m:ctrlPr>
+                      </m:sSubPr>
+                      <m:e>
+                        <m:r>
+                          <a:rPr lang="es-ES" sz="2900" i="1">
+                            <a:latin typeface="Cambria Math" panose="02040503050406030204" pitchFamily="18" charset="0"/>
+                          </a:rPr>
+                          <m:t>𝑆</m:t>
+                        </m:r>
+                      </m:e>
+                      <m:sub>
+                        <m:r>
+                          <a:rPr lang="es-ES" sz="2900" i="1">
+                            <a:latin typeface="Cambria Math" panose="02040503050406030204" pitchFamily="18" charset="0"/>
+                          </a:rPr>
+                          <m:t>𝑗</m:t>
+                        </m:r>
+                        <m:r>
+                          <a:rPr lang="es-ES" sz="2900" i="1">
+                            <a:latin typeface="Cambria Math" panose="02040503050406030204" pitchFamily="18" charset="0"/>
+                          </a:rPr>
+                          <m:t> </m:t>
+                        </m:r>
+                      </m:sub>
+                    </m:sSub>
+                    <m:r>
+                      <a:rPr lang="en-US" sz="2900" i="1">
+                        <a:latin typeface="Cambria Math" panose="02040503050406030204" pitchFamily="18" charset="0"/>
+                      </a:rPr>
+                      <m:t>∪{</m:t>
+                    </m:r>
+                    <m:sSub>
+                      <m:sSubPr>
+                        <m:ctrlPr>
+                          <a:rPr lang="en-US" sz="2900" i="1">
+                            <a:latin typeface="Cambria Math" panose="02040503050406030204" pitchFamily="18" charset="0"/>
+                          </a:rPr>
+                        </m:ctrlPr>
+                      </m:sSubPr>
+                      <m:e>
+                        <m:r>
+                          <a:rPr lang="es-ES" sz="2900" i="1">
+                            <a:latin typeface="Cambria Math" panose="02040503050406030204" pitchFamily="18" charset="0"/>
+                          </a:rPr>
+                          <m:t>𝜋</m:t>
+                        </m:r>
+                      </m:e>
+                      <m:sub>
+                        <m:r>
+                          <a:rPr lang="es-ES" sz="2900" i="1">
+                            <a:latin typeface="Cambria Math" panose="02040503050406030204" pitchFamily="18" charset="0"/>
+                          </a:rPr>
+                          <m:t>𝑖</m:t>
+                        </m:r>
+                      </m:sub>
+                    </m:sSub>
+                    <m:r>
+                      <a:rPr lang="en-US" sz="2900" i="1">
+                        <a:latin typeface="Cambria Math" panose="02040503050406030204" pitchFamily="18" charset="0"/>
+                      </a:rPr>
+                      <m:t>}) </m:t>
+                    </m:r>
+                    <m:r>
+                      <a:rPr lang="es-ES" sz="2900" i="1">
+                        <a:latin typeface="Cambria Math" panose="02040503050406030204" pitchFamily="18" charset="0"/>
+                      </a:rPr>
+                      <m:t>𝑖𝑠</m:t>
+                    </m:r>
+                    <m:r>
+                      <a:rPr lang="es-ES" sz="2900" i="1">
+                        <a:latin typeface="Cambria Math" panose="02040503050406030204" pitchFamily="18" charset="0"/>
+                      </a:rPr>
+                      <m:t> </m:t>
+                    </m:r>
+                    <m:r>
+                      <a:rPr lang="es-ES" sz="2900" i="1">
+                        <a:latin typeface="Cambria Math" panose="02040503050406030204" pitchFamily="18" charset="0"/>
+                      </a:rPr>
+                      <m:t>𝑎𝑛</m:t>
+                    </m:r>
+                    <m:r>
+                      <a:rPr lang="es-ES" sz="2900" i="1">
+                        <a:latin typeface="Cambria Math" panose="02040503050406030204" pitchFamily="18" charset="0"/>
+                      </a:rPr>
+                      <m:t> </m:t>
+                    </m:r>
+                    <m:r>
+                      <a:rPr lang="es-ES" sz="2900" i="1">
+                        <a:latin typeface="Cambria Math" panose="02040503050406030204" pitchFamily="18" charset="0"/>
+                      </a:rPr>
+                      <m:t>𝑖𝑛𝑑𝑒𝑝𝑒𝑛𝑑𝑒𝑛𝑡</m:t>
+                    </m:r>
+                    <m:r>
+                      <a:rPr lang="es-ES" sz="2900" i="1">
+                        <a:latin typeface="Cambria Math" panose="02040503050406030204" pitchFamily="18" charset="0"/>
+                      </a:rPr>
+                      <m:t> </m:t>
+                    </m:r>
+                    <m:r>
+                      <a:rPr lang="es-ES" sz="2900" i="1">
+                        <a:latin typeface="Cambria Math" panose="02040503050406030204" pitchFamily="18" charset="0"/>
+                      </a:rPr>
+                      <m:t>𝑠𝑒𝑡</m:t>
+                    </m:r>
+                    <m:r>
+                      <a:rPr lang="es-ES" sz="2900" i="1">
+                        <a:latin typeface="Cambria Math" panose="02040503050406030204" pitchFamily="18" charset="0"/>
+                      </a:rPr>
+                      <m:t> </m:t>
+                    </m:r>
+                    <m:r>
+                      <a:rPr lang="es-ES" sz="2900" b="1" i="1">
+                        <a:latin typeface="Cambria Math" panose="02040503050406030204" pitchFamily="18" charset="0"/>
+                      </a:rPr>
+                      <m:t>𝒕𝒉𝒆𝒏</m:t>
+                    </m:r>
+                  </m:oMath>
+                </a14:m>
+                <a:endParaRPr lang="en-US" sz="2900" dirty="0"/>
+              </a:p>
+              <a:p>
+                <a:pPr marL="0" indent="0">
+                  <a:buNone/>
+                </a:pPr>
+                <a:r>
+                  <a:rPr lang="en-US" sz="2900" b="1" dirty="0"/>
+                  <a:t>			</a:t>
+                </a:r>
+                <a14:m>
+                  <m:oMath xmlns:m="http://schemas.openxmlformats.org/officeDocument/2006/math">
+                    <m:sSub>
+                      <m:sSubPr>
+                        <m:ctrlPr>
+                          <a:rPr lang="en-US" sz="2900" i="1">
+                            <a:latin typeface="Cambria Math" panose="02040503050406030204" pitchFamily="18" charset="0"/>
+                          </a:rPr>
+                        </m:ctrlPr>
+                      </m:sSubPr>
+                      <m:e>
+                        <m:r>
+                          <a:rPr lang="es-ES" sz="2900" i="1">
+                            <a:latin typeface="Cambria Math" panose="02040503050406030204" pitchFamily="18" charset="0"/>
+                          </a:rPr>
+                          <m:t>𝑆</m:t>
+                        </m:r>
+                      </m:e>
+                      <m:sub>
+                        <m:r>
+                          <a:rPr lang="es-ES" sz="2900" i="1">
+                            <a:latin typeface="Cambria Math" panose="02040503050406030204" pitchFamily="18" charset="0"/>
+                          </a:rPr>
+                          <m:t>𝑗</m:t>
+                        </m:r>
+                      </m:sub>
+                    </m:sSub>
+                    <m:r>
+                      <a:rPr lang="es-ES" sz="2900" i="1">
+                        <a:latin typeface="Cambria Math" panose="02040503050406030204" pitchFamily="18" charset="0"/>
+                      </a:rPr>
+                      <m:t>←</m:t>
+                    </m:r>
+                    <m:sSub>
+                      <m:sSubPr>
+                        <m:ctrlPr>
+                          <a:rPr lang="en-US" sz="2900" i="1">
+                            <a:latin typeface="Cambria Math" panose="02040503050406030204" pitchFamily="18" charset="0"/>
+                          </a:rPr>
+                        </m:ctrlPr>
+                      </m:sSubPr>
+                      <m:e>
+                        <m:r>
+                          <a:rPr lang="es-ES" sz="2900" i="1">
+                            <a:latin typeface="Cambria Math" panose="02040503050406030204" pitchFamily="18" charset="0"/>
+                          </a:rPr>
+                          <m:t>𝑆</m:t>
+                        </m:r>
+                      </m:e>
+                      <m:sub>
+                        <m:r>
+                          <a:rPr lang="es-ES" sz="2900" i="1">
+                            <a:latin typeface="Cambria Math" panose="02040503050406030204" pitchFamily="18" charset="0"/>
+                          </a:rPr>
+                          <m:t>𝑗</m:t>
+                        </m:r>
+                      </m:sub>
+                    </m:sSub>
+                    <m:r>
+                      <a:rPr lang="es-ES" sz="2900" i="1">
+                        <a:latin typeface="Cambria Math" panose="02040503050406030204" pitchFamily="18" charset="0"/>
+                      </a:rPr>
+                      <m:t>∪{</m:t>
+                    </m:r>
+                    <m:sSub>
+                      <m:sSubPr>
+                        <m:ctrlPr>
+                          <a:rPr lang="en-US" sz="2900" i="1">
+                            <a:latin typeface="Cambria Math" panose="02040503050406030204" pitchFamily="18" charset="0"/>
+                          </a:rPr>
+                        </m:ctrlPr>
+                      </m:sSubPr>
+                      <m:e>
+                        <m:r>
+                          <a:rPr lang="es-ES" sz="2900" i="1">
+                            <a:latin typeface="Cambria Math" panose="02040503050406030204" pitchFamily="18" charset="0"/>
+                          </a:rPr>
+                          <m:t>𝜋</m:t>
+                        </m:r>
+                      </m:e>
+                      <m:sub>
+                        <m:r>
+                          <a:rPr lang="es-ES" sz="2900" i="1">
+                            <a:latin typeface="Cambria Math" panose="02040503050406030204" pitchFamily="18" charset="0"/>
+                          </a:rPr>
+                          <m:t>𝑖</m:t>
+                        </m:r>
+                      </m:sub>
+                    </m:sSub>
+                    <m:r>
+                      <a:rPr lang="es-ES" sz="2900" i="1">
+                        <a:latin typeface="Cambria Math" panose="02040503050406030204" pitchFamily="18" charset="0"/>
+                      </a:rPr>
+                      <m:t>}</m:t>
+                    </m:r>
+                  </m:oMath>
+                </a14:m>
+                <a:endParaRPr lang="en-US" sz="2900" dirty="0"/>
+              </a:p>
+              <a:p>
+                <a:pPr marL="0" indent="0">
+                  <a:buNone/>
+                </a:pPr>
+                <a:r>
+                  <a:rPr lang="es-ES" sz="2900" dirty="0"/>
+                  <a:t>			</a:t>
+                </a:r>
+                <a:r>
+                  <a:rPr lang="en-US" sz="2900" b="1" dirty="0"/>
+                  <a:t>break</a:t>
+                </a:r>
+                <a:endParaRPr lang="en-US" sz="2900" dirty="0"/>
+              </a:p>
+              <a:p>
+                <a:pPr marL="0" indent="0">
+                  <a:buNone/>
+                </a:pPr>
+                <a:r>
+                  <a:rPr lang="en-US" sz="2900" b="1" dirty="0"/>
+                  <a:t>		else </a:t>
+                </a:r>
+                <a14:m>
+                  <m:oMath xmlns:m="http://schemas.openxmlformats.org/officeDocument/2006/math">
+                    <m:r>
+                      <a:rPr lang="es-ES" sz="2900" i="1">
+                        <a:latin typeface="Cambria Math" panose="02040503050406030204" pitchFamily="18" charset="0"/>
+                      </a:rPr>
+                      <m:t>𝑗</m:t>
+                    </m:r>
+                    <m:r>
+                      <a:rPr lang="en-US" sz="2900" i="1">
+                        <a:latin typeface="Cambria Math" panose="02040503050406030204" pitchFamily="18" charset="0"/>
+                      </a:rPr>
+                      <m:t>←</m:t>
+                    </m:r>
+                    <m:r>
+                      <a:rPr lang="es-ES" sz="2900" i="1">
+                        <a:latin typeface="Cambria Math" panose="02040503050406030204" pitchFamily="18" charset="0"/>
+                      </a:rPr>
+                      <m:t>𝑗</m:t>
+                    </m:r>
+                    <m:r>
+                      <a:rPr lang="en-US" sz="2900" i="1">
+                        <a:latin typeface="Cambria Math" panose="02040503050406030204" pitchFamily="18" charset="0"/>
+                      </a:rPr>
+                      <m:t>+1</m:t>
+                    </m:r>
+                  </m:oMath>
+                </a14:m>
+                <a:endParaRPr lang="en-US" sz="2900" dirty="0"/>
+              </a:p>
+              <a:p>
+                <a:pPr marL="0" indent="0">
+                  <a:buNone/>
+                </a:pPr>
+                <a:r>
+                  <a:rPr lang="en-US" sz="2900" dirty="0"/>
+                  <a:t>	</a:t>
+                </a:r>
+                <a:r>
+                  <a:rPr lang="en-US" sz="2900" b="1" dirty="0"/>
+                  <a:t>if </a:t>
+                </a:r>
+                <a14:m>
+                  <m:oMath xmlns:m="http://schemas.openxmlformats.org/officeDocument/2006/math">
+                    <m:r>
+                      <a:rPr lang="es-ES" sz="2900" i="1">
+                        <a:latin typeface="Cambria Math" panose="02040503050406030204" pitchFamily="18" charset="0"/>
+                      </a:rPr>
+                      <m:t>𝑗</m:t>
+                    </m:r>
+                    <m:r>
+                      <a:rPr lang="en-US" sz="2900" i="1">
+                        <a:latin typeface="Cambria Math" panose="02040503050406030204" pitchFamily="18" charset="0"/>
+                      </a:rPr>
+                      <m:t>&gt;</m:t>
+                    </m:r>
+                    <m:d>
+                      <m:dPr>
+                        <m:begChr m:val="|"/>
+                        <m:endChr m:val="|"/>
+                        <m:ctrlPr>
+                          <a:rPr lang="en-US" sz="2900" i="1">
+                            <a:latin typeface="Cambria Math" panose="02040503050406030204" pitchFamily="18" charset="0"/>
+                          </a:rPr>
+                        </m:ctrlPr>
+                      </m:dPr>
+                      <m:e>
+                        <m:r>
+                          <a:rPr lang="es-ES" sz="2900" i="1">
+                            <a:latin typeface="Cambria Math" panose="02040503050406030204" pitchFamily="18" charset="0"/>
+                          </a:rPr>
+                          <m:t>𝑆</m:t>
+                        </m:r>
+                      </m:e>
+                    </m:d>
+                    <m:r>
+                      <a:rPr lang="es-ES" sz="2900" b="1" i="1">
+                        <a:latin typeface="Cambria Math" panose="02040503050406030204" pitchFamily="18" charset="0"/>
+                      </a:rPr>
+                      <m:t> </m:t>
+                    </m:r>
+                    <m:r>
+                      <a:rPr lang="es-ES" sz="2900" b="1" i="1">
+                        <a:latin typeface="Cambria Math" panose="02040503050406030204" pitchFamily="18" charset="0"/>
+                      </a:rPr>
+                      <m:t>𝒕𝒉𝒆𝒏</m:t>
+                    </m:r>
+                  </m:oMath>
+                </a14:m>
+                <a:endParaRPr lang="en-US" sz="2900" dirty="0"/>
+              </a:p>
+              <a:p>
+                <a:pPr marL="0" indent="0">
+                  <a:buNone/>
+                </a:pPr>
+                <a:r>
+                  <a:rPr lang="en-US" sz="2900" b="1" dirty="0"/>
+                  <a:t>		</a:t>
+                </a:r>
+                <a14:m>
+                  <m:oMath xmlns:m="http://schemas.openxmlformats.org/officeDocument/2006/math">
+                    <m:sSub>
+                      <m:sSubPr>
+                        <m:ctrlPr>
+                          <a:rPr lang="en-US" sz="2900" i="1">
+                            <a:latin typeface="Cambria Math" panose="02040503050406030204" pitchFamily="18" charset="0"/>
+                          </a:rPr>
+                        </m:ctrlPr>
+                      </m:sSubPr>
+                      <m:e>
+                        <m:r>
+                          <a:rPr lang="es-ES" sz="2900" i="1">
+                            <a:latin typeface="Cambria Math" panose="02040503050406030204" pitchFamily="18" charset="0"/>
+                          </a:rPr>
+                          <m:t>𝑆</m:t>
+                        </m:r>
+                      </m:e>
+                      <m:sub>
+                        <m:r>
+                          <a:rPr lang="es-ES" sz="2900" i="1">
+                            <a:latin typeface="Cambria Math" panose="02040503050406030204" pitchFamily="18" charset="0"/>
+                          </a:rPr>
+                          <m:t>𝑗</m:t>
+                        </m:r>
+                      </m:sub>
+                    </m:sSub>
+                    <m:r>
+                      <a:rPr lang="es-ES" sz="2900" i="1">
+                        <a:latin typeface="Cambria Math" panose="02040503050406030204" pitchFamily="18" charset="0"/>
+                      </a:rPr>
+                      <m:t>←{</m:t>
+                    </m:r>
+                    <m:sSub>
+                      <m:sSubPr>
+                        <m:ctrlPr>
+                          <a:rPr lang="en-US" sz="2900" i="1">
+                            <a:latin typeface="Cambria Math" panose="02040503050406030204" pitchFamily="18" charset="0"/>
+                          </a:rPr>
+                        </m:ctrlPr>
+                      </m:sSubPr>
+                      <m:e>
+                        <m:r>
+                          <a:rPr lang="es-ES" sz="2900" i="1">
+                            <a:latin typeface="Cambria Math" panose="02040503050406030204" pitchFamily="18" charset="0"/>
+                          </a:rPr>
+                          <m:t>𝜋</m:t>
+                        </m:r>
+                      </m:e>
+                      <m:sub>
+                        <m:r>
+                          <a:rPr lang="es-ES" sz="2900" i="1">
+                            <a:latin typeface="Cambria Math" panose="02040503050406030204" pitchFamily="18" charset="0"/>
+                          </a:rPr>
+                          <m:t>𝑖</m:t>
+                        </m:r>
+                      </m:sub>
+                    </m:sSub>
+                    <m:r>
+                      <a:rPr lang="es-ES" sz="2900" i="1">
+                        <a:latin typeface="Cambria Math" panose="02040503050406030204" pitchFamily="18" charset="0"/>
+                      </a:rPr>
+                      <m:t>}</m:t>
+                    </m:r>
+                  </m:oMath>
+                </a14:m>
+                <a:endParaRPr lang="en-US" sz="2900" dirty="0"/>
+              </a:p>
+              <a:p>
+                <a:pPr marL="0" indent="0">
+                  <a:buNone/>
+                </a:pPr>
+                <a:r>
+                  <a:rPr lang="es-ES" sz="2900" dirty="0"/>
+                  <a:t>		</a:t>
+                </a:r>
+                <a14:m>
+                  <m:oMath xmlns:m="http://schemas.openxmlformats.org/officeDocument/2006/math">
+                    <m:r>
+                      <a:rPr lang="es-ES" sz="2900" i="1">
+                        <a:latin typeface="Cambria Math" panose="02040503050406030204" pitchFamily="18" charset="0"/>
+                      </a:rPr>
+                      <m:t>𝑆</m:t>
+                    </m:r>
+                    <m:r>
+                      <a:rPr lang="es-ES" sz="2900" i="1">
+                        <a:latin typeface="Cambria Math" panose="02040503050406030204" pitchFamily="18" charset="0"/>
+                      </a:rPr>
+                      <m:t> ←</m:t>
+                    </m:r>
+                    <m:r>
+                      <a:rPr lang="es-ES" sz="2900" i="1">
+                        <a:latin typeface="Cambria Math" panose="02040503050406030204" pitchFamily="18" charset="0"/>
+                      </a:rPr>
+                      <m:t>𝑆</m:t>
+                    </m:r>
+                    <m:r>
+                      <a:rPr lang="es-ES" sz="2900" i="1">
+                        <a:latin typeface="Cambria Math" panose="02040503050406030204" pitchFamily="18" charset="0"/>
+                      </a:rPr>
+                      <m:t> ∪ </m:t>
+                    </m:r>
+                    <m:sSub>
+                      <m:sSubPr>
+                        <m:ctrlPr>
+                          <a:rPr lang="en-US" sz="2900" i="1">
+                            <a:latin typeface="Cambria Math" panose="02040503050406030204" pitchFamily="18" charset="0"/>
+                          </a:rPr>
+                        </m:ctrlPr>
+                      </m:sSubPr>
+                      <m:e>
+                        <m:r>
+                          <a:rPr lang="es-ES" sz="2900" i="1">
+                            <a:latin typeface="Cambria Math" panose="02040503050406030204" pitchFamily="18" charset="0"/>
+                          </a:rPr>
+                          <m:t>𝑆</m:t>
+                        </m:r>
+                      </m:e>
+                      <m:sub>
+                        <m:r>
+                          <a:rPr lang="es-ES" sz="2900" i="1">
+                            <a:latin typeface="Cambria Math" panose="02040503050406030204" pitchFamily="18" charset="0"/>
+                          </a:rPr>
+                          <m:t>𝑗</m:t>
+                        </m:r>
+                      </m:sub>
+                    </m:sSub>
+                  </m:oMath>
+                </a14:m>
+                <a:endParaRPr lang="en-US" sz="2900" dirty="0" smtClean="0"/>
+              </a:p>
+              <a:p>
+                <a:pPr marL="0" indent="0">
+                  <a:buNone/>
+                </a:pPr>
+                <a:endParaRPr lang="en-US" sz="2900" dirty="0"/>
+              </a:p>
+              <a:p>
+                <a:pPr marL="0" lvl="0" indent="0">
+                  <a:buNone/>
+                </a:pPr>
+                <a:r>
+                  <a:rPr lang="es-ES" sz="2900" dirty="0"/>
+                  <a:t>Partimos de la solución vacía S = ∅ y de una permutación aleatoria de los vértices </a:t>
+                </a:r>
+                <a14:m>
+                  <m:oMath xmlns:m="http://schemas.openxmlformats.org/officeDocument/2006/math">
+                    <m:r>
+                      <a:rPr lang="en-US" sz="2900" i="1">
+                        <a:latin typeface="Cambria Math" panose="02040503050406030204" pitchFamily="18" charset="0"/>
+                      </a:rPr>
+                      <m:t>𝜋</m:t>
+                    </m:r>
+                  </m:oMath>
+                </a14:m>
+                <a:r>
+                  <a:rPr lang="es-ES" sz="2900" dirty="0"/>
+                  <a:t>.</a:t>
+                </a:r>
+                <a:endParaRPr lang="en-US" sz="2900" dirty="0"/>
+              </a:p>
+              <a:p>
+                <a:endParaRPr lang="es-419" sz="2200" dirty="0"/>
+              </a:p>
+            </p:txBody>
+          </p:sp>
+        </mc:Choice>
+        <mc:Fallback xmlns="">
+          <p:sp>
+            <p:nvSpPr>
+              <p:cNvPr id="3" name="Content Placeholder 2"/>
+              <p:cNvSpPr>
+                <a:spLocks noGrp="1" noRot="1" noChangeAspect="1" noMove="1" noResize="1" noEditPoints="1" noAdjustHandles="1" noChangeArrowheads="1" noChangeShapeType="1" noTextEdit="1"/>
+              </p:cNvSpPr>
+              <p:nvPr>
+                <p:ph idx="1"/>
+              </p:nvPr>
+            </p:nvSpPr>
+            <p:spPr>
+              <a:xfrm>
+                <a:off x="788894" y="1570531"/>
+                <a:ext cx="10542494" cy="5056094"/>
+              </a:xfrm>
+              <a:blipFill>
+                <a:blip r:embed="rId3"/>
+                <a:stretch>
+                  <a:fillRect l="-462" t="-1809"/>
+                </a:stretch>
+              </a:blipFill>
+            </p:spPr>
+            <p:txBody>
+              <a:bodyPr/>
+              <a:lstStyle/>
+              <a:p>
+                <a:r>
+                  <a:rPr lang="es-419">
+                    <a:noFill/>
+                  </a:rPr>
+                  <a:t> </a:t>
+                </a:r>
+              </a:p>
+            </p:txBody>
+          </p:sp>
+        </mc:Fallback>
+      </mc:AlternateContent>
+      <p:sp>
+        <p:nvSpPr>
+          <p:cNvPr id="4" name="TextBox 3"/>
+          <p:cNvSpPr txBox="1"/>
+          <p:nvPr/>
+        </p:nvSpPr>
+        <p:spPr>
+          <a:xfrm>
+            <a:off x="6902824" y="2621250"/>
+            <a:ext cx="4876799" cy="1477328"/>
+          </a:xfrm>
+          <a:prstGeom prst="rect">
+            <a:avLst/>
+          </a:prstGeom>
+          <a:noFill/>
+        </p:spPr>
+        <p:txBody>
+          <a:bodyPr wrap="square" rtlCol="0">
+            <a:spAutoFit/>
+          </a:bodyPr>
+          <a:lstStyle/>
+          <a:p>
+            <a:pPr algn="r"/>
+            <a:r>
+              <a:rPr lang="es-ES" dirty="0"/>
+              <a:t>Referencia </a:t>
+            </a:r>
+            <a:r>
+              <a:rPr lang="es-ES" dirty="0" smtClean="0"/>
+              <a:t>bibliográfica:</a:t>
+            </a:r>
+          </a:p>
+          <a:p>
+            <a:endParaRPr lang="en-US" dirty="0"/>
+          </a:p>
+          <a:p>
+            <a:pPr algn="r"/>
+            <a:r>
+              <a:rPr lang="es-ES" dirty="0"/>
+              <a:t>Sergio Pena </a:t>
+            </a:r>
+            <a:r>
+              <a:rPr lang="es-ES" dirty="0" err="1"/>
+              <a:t>Seijas</a:t>
+            </a:r>
+            <a:r>
+              <a:rPr lang="es-ES" dirty="0"/>
+              <a:t>. Máster en Técnicas Estadísticas: El Problema de Coloración de Grafos. Curso 2016-2017.</a:t>
+            </a:r>
+            <a:endParaRPr lang="en-US" dirty="0"/>
+          </a:p>
+        </p:txBody>
+      </p:sp>
+    </p:spTree>
+    <p:extLst>
+      <p:ext uri="{BB962C8B-B14F-4D97-AF65-F5344CB8AC3E}">
+        <p14:creationId xmlns:p14="http://schemas.microsoft.com/office/powerpoint/2010/main" val="677247554"/>
+      </p:ext>
+    </p:extLst>
+  </p:cSld>
+  <p:clrMapOvr>
+    <a:masterClrMapping/>
+  </p:clrMapOvr>
+  <p:timing>
+    <p:tnLst>
+      <p:par>
+        <p:cTn id="1" dur="indefinite" restart="never" nodeType="tmRoot"/>
+      </p:par>
+    </p:tnLst>
+  </p:timing>
+</p:sld>
+</file>
+
+<file path=ppt/slides/slide16.xml><?xml version="1.0" encoding="utf-8"?>
 <p:sld xmlns:a="http://schemas.openxmlformats.org/drawingml/2006/main" xmlns:r="http://schemas.openxmlformats.org/officeDocument/2006/relationships" xmlns:p="http://schemas.openxmlformats.org/presentationml/2006/main">
   <p:cSld>
     <p:spTree>
@@ -10519,7 +11766,7 @@
 </p:sld>
 </file>
 
-<file path=ppt/slides/slide15.xml><?xml version="1.0" encoding="utf-8"?>
+<file path=ppt/slides/slide17.xml><?xml version="1.0" encoding="utf-8"?>
 <p:sld xmlns:a="http://schemas.openxmlformats.org/drawingml/2006/main" xmlns:r="http://schemas.openxmlformats.org/officeDocument/2006/relationships" xmlns:p="http://schemas.openxmlformats.org/presentationml/2006/main">
   <p:cSld>
     <p:spTree>
@@ -10830,7 +12077,7 @@
 </p:sld>
 </file>
 
-<file path=ppt/slides/slide16.xml><?xml version="1.0" encoding="utf-8"?>
+<file path=ppt/slides/slide18.xml><?xml version="1.0" encoding="utf-8"?>
 <p:sld xmlns:a="http://schemas.openxmlformats.org/drawingml/2006/main" xmlns:r="http://schemas.openxmlformats.org/officeDocument/2006/relationships" xmlns:p="http://schemas.openxmlformats.org/presentationml/2006/main">
   <p:cSld>
     <p:spTree>
@@ -11673,7 +12920,7 @@
 </p:sld>
 </file>
 
-<file path=ppt/slides/slide17.xml><?xml version="1.0" encoding="utf-8"?>
+<file path=ppt/slides/slide19.xml><?xml version="1.0" encoding="utf-8"?>
 <p:sld xmlns:a="http://schemas.openxmlformats.org/drawingml/2006/main" xmlns:r="http://schemas.openxmlformats.org/officeDocument/2006/relationships" xmlns:p="http://schemas.openxmlformats.org/presentationml/2006/main">
   <p:cSld>
     <p:spTree>
@@ -11974,7 +13221,93 @@
 </p:sld>
 </file>
 
-<file path=ppt/slides/slide18.xml><?xml version="1.0" encoding="utf-8"?>
+<file path=ppt/slides/slide2.xml><?xml version="1.0" encoding="utf-8"?>
+<p:sld xmlns:a="http://schemas.openxmlformats.org/drawingml/2006/main" xmlns:r="http://schemas.openxmlformats.org/officeDocument/2006/relationships" xmlns:p="http://schemas.openxmlformats.org/presentationml/2006/main">
+  <p:cSld>
+    <p:spTree>
+      <p:nvGrpSpPr>
+        <p:cNvPr id="1" name=""/>
+        <p:cNvGrpSpPr/>
+        <p:nvPr/>
+      </p:nvGrpSpPr>
+      <p:grpSpPr>
+        <a:xfrm>
+          <a:off x="0" y="0"/>
+          <a:ext cx="0" cy="0"/>
+          <a:chOff x="0" y="0"/>
+          <a:chExt cx="0" cy="0"/>
+        </a:xfrm>
+      </p:grpSpPr>
+      <p:sp>
+        <p:nvSpPr>
+          <p:cNvPr id="2" name="Title 1"/>
+          <p:cNvSpPr>
+            <a:spLocks noGrp="1"/>
+          </p:cNvSpPr>
+          <p:nvPr>
+            <p:ph type="title"/>
+          </p:nvPr>
+        </p:nvSpPr>
+        <p:spPr/>
+        <p:txBody>
+          <a:bodyPr/>
+          <a:lstStyle/>
+          <a:p>
+            <a:r>
+              <a:rPr lang="es-CU" dirty="0" smtClean="0"/>
+              <a:t>Problema</a:t>
+            </a:r>
+            <a:endParaRPr lang="es-419" dirty="0"/>
+          </a:p>
+        </p:txBody>
+      </p:sp>
+      <p:sp>
+        <p:nvSpPr>
+          <p:cNvPr id="3" name="Content Placeholder 2"/>
+          <p:cNvSpPr>
+            <a:spLocks noGrp="1"/>
+          </p:cNvSpPr>
+          <p:nvPr>
+            <p:ph idx="1"/>
+          </p:nvPr>
+        </p:nvSpPr>
+        <p:spPr/>
+        <p:txBody>
+          <a:bodyPr/>
+          <a:lstStyle/>
+          <a:p>
+            <a:pPr lvl="0"/>
+            <a:r>
+              <a:rPr lang="es-CU" dirty="0"/>
+              <a:t>Se tiene un grafo de entrada (nodos y enlaces) y hay que escoger qué color se asigna a cada nodo, de modo que ningún par de nodos adyacentes tengan el mismo color. Se debe usar la menor cantidad de colores.</a:t>
+            </a:r>
+          </a:p>
+          <a:p>
+            <a:endParaRPr lang="es-419" dirty="0"/>
+          </a:p>
+        </p:txBody>
+      </p:sp>
+    </p:spTree>
+    <p:extLst>
+      <p:ext uri="{BB962C8B-B14F-4D97-AF65-F5344CB8AC3E}">
+        <p14:creationId xmlns:p14="http://schemas.microsoft.com/office/powerpoint/2010/main" val="3178601984"/>
+      </p:ext>
+    </p:extLst>
+  </p:cSld>
+  <p:clrMapOvr>
+    <a:masterClrMapping/>
+  </p:clrMapOvr>
+  <p:timing>
+    <p:tnLst>
+      <p:par>
+        <p:cTn id="1" dur="indefinite" restart="never" nodeType="tmRoot"/>
+      </p:par>
+    </p:tnLst>
+  </p:timing>
+</p:sld>
+</file>
+
+<file path=ppt/slides/slide20.xml><?xml version="1.0" encoding="utf-8"?>
 <p:sld xmlns:a="http://schemas.openxmlformats.org/drawingml/2006/main" xmlns:r="http://schemas.openxmlformats.org/officeDocument/2006/relationships" xmlns:p="http://schemas.openxmlformats.org/presentationml/2006/main">
   <p:cSld>
     <p:spTree>
@@ -12628,7 +13961,7 @@
 </p:sld>
 </file>
 
-<file path=ppt/slides/slide19.xml><?xml version="1.0" encoding="utf-8"?>
+<file path=ppt/slides/slide21.xml><?xml version="1.0" encoding="utf-8"?>
 <p:sld xmlns:a="http://schemas.openxmlformats.org/drawingml/2006/main" xmlns:r="http://schemas.openxmlformats.org/officeDocument/2006/relationships" xmlns:p="http://schemas.openxmlformats.org/presentationml/2006/main">
   <p:cSld>
     <p:spTree>
@@ -13204,93 +14537,7 @@
 </p:sld>
 </file>
 
-<file path=ppt/slides/slide2.xml><?xml version="1.0" encoding="utf-8"?>
-<p:sld xmlns:a="http://schemas.openxmlformats.org/drawingml/2006/main" xmlns:r="http://schemas.openxmlformats.org/officeDocument/2006/relationships" xmlns:p="http://schemas.openxmlformats.org/presentationml/2006/main">
-  <p:cSld>
-    <p:spTree>
-      <p:nvGrpSpPr>
-        <p:cNvPr id="1" name=""/>
-        <p:cNvGrpSpPr/>
-        <p:nvPr/>
-      </p:nvGrpSpPr>
-      <p:grpSpPr>
-        <a:xfrm>
-          <a:off x="0" y="0"/>
-          <a:ext cx="0" cy="0"/>
-          <a:chOff x="0" y="0"/>
-          <a:chExt cx="0" cy="0"/>
-        </a:xfrm>
-      </p:grpSpPr>
-      <p:sp>
-        <p:nvSpPr>
-          <p:cNvPr id="2" name="Title 1"/>
-          <p:cNvSpPr>
-            <a:spLocks noGrp="1"/>
-          </p:cNvSpPr>
-          <p:nvPr>
-            <p:ph type="title"/>
-          </p:nvPr>
-        </p:nvSpPr>
-        <p:spPr/>
-        <p:txBody>
-          <a:bodyPr/>
-          <a:lstStyle/>
-          <a:p>
-            <a:r>
-              <a:rPr lang="es-CU" dirty="0" smtClean="0"/>
-              <a:t>Problema</a:t>
-            </a:r>
-            <a:endParaRPr lang="es-419" dirty="0"/>
-          </a:p>
-        </p:txBody>
-      </p:sp>
-      <p:sp>
-        <p:nvSpPr>
-          <p:cNvPr id="3" name="Content Placeholder 2"/>
-          <p:cNvSpPr>
-            <a:spLocks noGrp="1"/>
-          </p:cNvSpPr>
-          <p:nvPr>
-            <p:ph idx="1"/>
-          </p:nvPr>
-        </p:nvSpPr>
-        <p:spPr/>
-        <p:txBody>
-          <a:bodyPr/>
-          <a:lstStyle/>
-          <a:p>
-            <a:pPr lvl="0"/>
-            <a:r>
-              <a:rPr lang="es-CU" dirty="0"/>
-              <a:t>Se tiene un grafo de entrada (nodos y enlaces) y hay que escoger qué color se asigna a cada nodo, de modo que ningún par de nodos adyacentes tengan el mismo color. Se debe usar la menor cantidad de colores.</a:t>
-            </a:r>
-          </a:p>
-          <a:p>
-            <a:endParaRPr lang="es-419" dirty="0"/>
-          </a:p>
-        </p:txBody>
-      </p:sp>
-    </p:spTree>
-    <p:extLst>
-      <p:ext uri="{BB962C8B-B14F-4D97-AF65-F5344CB8AC3E}">
-        <p14:creationId xmlns:p14="http://schemas.microsoft.com/office/powerpoint/2010/main" val="3178601984"/>
-      </p:ext>
-    </p:extLst>
-  </p:cSld>
-  <p:clrMapOvr>
-    <a:masterClrMapping/>
-  </p:clrMapOvr>
-  <p:timing>
-    <p:tnLst>
-      <p:par>
-        <p:cTn id="1" dur="indefinite" restart="never" nodeType="tmRoot"/>
-      </p:par>
-    </p:tnLst>
-  </p:timing>
-</p:sld>
-</file>
-
-<file path=ppt/slides/slide20.xml><?xml version="1.0" encoding="utf-8"?>
+<file path=ppt/slides/slide22.xml><?xml version="1.0" encoding="utf-8"?>
 <p:sld xmlns:a="http://schemas.openxmlformats.org/drawingml/2006/main" xmlns:r="http://schemas.openxmlformats.org/officeDocument/2006/relationships" xmlns:p="http://schemas.openxmlformats.org/presentationml/2006/main">
   <p:cSld>
     <p:spTree>

--- a/documentation/Metaheurística Tarea 1 arreglos.pptx
+++ b/documentation/Metaheurística Tarea 1 arreglos.pptx
@@ -633,22 +633,6 @@
           <a:bodyPr/>
           <a:lstStyle/>
           <a:p>
-            <a:r>
-              <a:rPr lang="es-ES" dirty="0" smtClean="0"/>
-              <a:t>No</a:t>
-            </a:r>
-            <a:r>
-              <a:rPr lang="es-ES" baseline="0" dirty="0" smtClean="0"/>
-              <a:t> encontramos un expresión que generalice el espacio de búsqueda lo definimos para tres y para 2 pero aun no conseguimos inferir la relación entre esas </a:t>
-            </a:r>
-            <a:r>
-              <a:rPr lang="es-ES" baseline="0" smtClean="0"/>
-              <a:t>expresiones estoy </a:t>
-            </a:r>
-            <a:r>
-              <a:rPr lang="es-ES" baseline="0" dirty="0" smtClean="0"/>
-              <a:t>intentando aun</a:t>
-            </a:r>
             <a:endParaRPr lang="en-US" dirty="0"/>
           </a:p>
         </p:txBody>
@@ -733,22 +717,6 @@
           <a:bodyPr/>
           <a:lstStyle/>
           <a:p>
-            <a:r>
-              <a:rPr lang="es-ES" dirty="0" smtClean="0"/>
-              <a:t>No</a:t>
-            </a:r>
-            <a:r>
-              <a:rPr lang="es-ES" baseline="0" dirty="0" smtClean="0"/>
-              <a:t> encontramos un expresión que generalice el espacio de búsqueda lo definimos para tres y para 2 pero aun no conseguimos inferir la relación entre esas </a:t>
-            </a:r>
-            <a:r>
-              <a:rPr lang="es-ES" baseline="0" smtClean="0"/>
-              <a:t>expresiones estoy </a:t>
-            </a:r>
-            <a:r>
-              <a:rPr lang="es-ES" baseline="0" dirty="0" smtClean="0"/>
-              <a:t>intentando aun</a:t>
-            </a:r>
             <a:endParaRPr lang="en-US" dirty="0"/>
           </a:p>
         </p:txBody>
@@ -7539,45 +7507,13 @@
           <a:p>
             <a:r>
               <a:rPr lang="es-ES" dirty="0" smtClean="0"/>
-              <a:t>En el caso de la primera </a:t>
-            </a:r>
+              <a:t>En el caso de la primera formulación, el espacio de búsqueda contempla muchas soluciones que son equivalentes, pues para el problema interesa la diferenciación de los colores y no el nombre de la etiqueta (del color) como tal.</a:t>
+            </a:r>
+          </a:p>
+          <a:p>
             <a:r>
               <a:rPr lang="es-ES" dirty="0" smtClean="0"/>
-              <a:t>formulación, </a:t>
-            </a:r>
-            <a:r>
-              <a:rPr lang="es-ES" dirty="0" smtClean="0"/>
-              <a:t>el espacio de búsqueda contempla muchas soluciones que son </a:t>
-            </a:r>
-            <a:r>
-              <a:rPr lang="es-ES" dirty="0" smtClean="0"/>
-              <a:t>equivalentes, </a:t>
-            </a:r>
-            <a:r>
-              <a:rPr lang="es-ES" dirty="0" smtClean="0"/>
-              <a:t>pues para el problema interesa la diferenciación de los colores y no el nombre de la etiqueta (del color) como tal.</a:t>
-            </a:r>
-          </a:p>
-          <a:p>
-            <a:r>
-              <a:rPr lang="es-ES" dirty="0" smtClean="0"/>
-              <a:t>Con la segunda </a:t>
-            </a:r>
-            <a:r>
-              <a:rPr lang="es-ES" dirty="0" smtClean="0"/>
-              <a:t>formulación, </a:t>
-            </a:r>
-            <a:r>
-              <a:rPr lang="es-ES" dirty="0" smtClean="0"/>
-              <a:t>al plantearlo como un problema de </a:t>
-            </a:r>
-            <a:r>
-              <a:rPr lang="es-ES" dirty="0" smtClean="0"/>
-              <a:t>distribución </a:t>
-            </a:r>
-            <a:r>
-              <a:rPr lang="es-ES" dirty="0" smtClean="0"/>
-              <a:t>se resuelve este problema, pues elimina las soluciones simétricas, reduciendo considerablemente el espacio de búsqueda</a:t>
+              <a:t>Con la segunda formulación, al plantearlo como un problema de distribución se resuelve este problema, pues elimina las soluciones simétricas, reduciendo considerablemente el espacio de búsqueda</a:t>
             </a:r>
             <a:endParaRPr lang="es-ES" dirty="0"/>
           </a:p>
@@ -7940,7 +7876,7 @@
 </file>
 
 <file path=ppt/slides/slide11.xml><?xml version="1.0" encoding="utf-8"?>
-<p:sld xmlns:a="http://schemas.openxmlformats.org/drawingml/2006/main" xmlns:r="http://schemas.openxmlformats.org/officeDocument/2006/relationships" xmlns:p="http://schemas.openxmlformats.org/presentationml/2006/main">
+<p:sld xmlns:a="http://schemas.openxmlformats.org/drawingml/2006/main" xmlns:r="http://schemas.openxmlformats.org/officeDocument/2006/relationships" xmlns:p="http://schemas.openxmlformats.org/presentationml/2006/main" show="0">
   <p:cSld>
     <p:spTree>
       <p:nvGrpSpPr>
@@ -8152,6 +8088,14 @@
   <p:clrMapOvr>
     <a:masterClrMapping/>
   </p:clrMapOvr>
+  <mc:AlternateContent xmlns:mc="http://schemas.openxmlformats.org/markup-compatibility/2006">
+    <mc:Choice xmlns:p14="http://schemas.microsoft.com/office/powerpoint/2010/main" Requires="p14">
+      <p:transition spd="slow" p14:dur="2000"/>
+    </mc:Choice>
+    <mc:Fallback>
+      <p:transition spd="slow"/>
+    </mc:Fallback>
+  </mc:AlternateContent>
   <p:timing>
     <p:tnLst>
       <p:par>
@@ -9088,7 +9032,144 @@
 </file>
 
 <file path=ppt/slides/slide14.xml><?xml version="1.0" encoding="utf-8"?>
-<p:sld xmlns:a="http://schemas.openxmlformats.org/drawingml/2006/main" xmlns:r="http://schemas.openxmlformats.org/officeDocument/2006/relationships" xmlns:p="http://schemas.openxmlformats.org/presentationml/2006/main" show="0">
+<p:sld xmlns:a="http://schemas.openxmlformats.org/drawingml/2006/main" xmlns:r="http://schemas.openxmlformats.org/officeDocument/2006/relationships" xmlns:p="http://schemas.openxmlformats.org/presentationml/2006/main">
+  <p:cSld>
+    <p:spTree>
+      <p:nvGrpSpPr>
+        <p:cNvPr id="1" name=""/>
+        <p:cNvGrpSpPr/>
+        <p:nvPr/>
+      </p:nvGrpSpPr>
+      <p:grpSpPr>
+        <a:xfrm>
+          <a:off x="0" y="0"/>
+          <a:ext cx="0" cy="0"/>
+          <a:chOff x="0" y="0"/>
+          <a:chExt cx="0" cy="0"/>
+        </a:xfrm>
+      </p:grpSpPr>
+      <p:sp>
+        <p:nvSpPr>
+          <p:cNvPr id="2" name="Title 1"/>
+          <p:cNvSpPr>
+            <a:spLocks noGrp="1"/>
+          </p:cNvSpPr>
+          <p:nvPr>
+            <p:ph type="title"/>
+          </p:nvPr>
+        </p:nvSpPr>
+        <p:spPr>
+          <a:xfrm>
+            <a:off x="646111" y="291353"/>
+            <a:ext cx="9404723" cy="1400530"/>
+          </a:xfrm>
+        </p:spPr>
+        <p:txBody>
+          <a:bodyPr/>
+          <a:lstStyle/>
+          <a:p>
+            <a:r>
+              <a:rPr lang="es-ES" dirty="0"/>
+              <a:t>E</a:t>
+            </a:r>
+            <a:r>
+              <a:rPr lang="es-ES" dirty="0" smtClean="0"/>
+              <a:t>nfoque </a:t>
+            </a:r>
+            <a:r>
+              <a:rPr lang="es-ES" dirty="0"/>
+              <a:t>heurístico de solución</a:t>
+            </a:r>
+            <a:r>
+              <a:rPr lang="es-ES" dirty="0" smtClean="0"/>
+              <a:t>:</a:t>
+            </a:r>
+            <a:br>
+              <a:rPr lang="es-ES" dirty="0" smtClean="0"/>
+            </a:br>
+            <a:r>
+              <a:rPr lang="es-ES" dirty="0"/>
+              <a:t/>
+            </a:r>
+            <a:br>
+              <a:rPr lang="es-ES" dirty="0"/>
+            </a:br>
+            <a:endParaRPr lang="en-US" dirty="0"/>
+          </a:p>
+        </p:txBody>
+      </p:sp>
+      <p:sp>
+        <p:nvSpPr>
+          <p:cNvPr id="3" name="Content Placeholder 2"/>
+          <p:cNvSpPr>
+            <a:spLocks noGrp="1"/>
+          </p:cNvSpPr>
+          <p:nvPr>
+            <p:ph idx="1"/>
+          </p:nvPr>
+        </p:nvSpPr>
+        <p:spPr>
+          <a:xfrm>
+            <a:off x="788894" y="1570531"/>
+            <a:ext cx="10542494" cy="5056094"/>
+          </a:xfrm>
+        </p:spPr>
+        <p:txBody>
+          <a:bodyPr>
+            <a:normAutofit/>
+          </a:bodyPr>
+          <a:lstStyle/>
+          <a:p>
+            <a:r>
+              <a:rPr lang="es-ES" sz="2400" dirty="0" smtClean="0"/>
+              <a:t>El algoritmo voraz</a:t>
+            </a:r>
+            <a:r>
+              <a:rPr lang="es-ES" sz="2400" dirty="0" smtClean="0"/>
+              <a:t> funciona tomando  los vértices uno por uno de acuerdo a algún (probablemente arbitrario) orden y asignando cada vértice al primer color disponible. Debido a que es un algoritmo heurístico, la solución que produce puede ser </a:t>
+            </a:r>
+            <a:r>
+              <a:rPr lang="es-ES" sz="2400" dirty="0" err="1" smtClean="0"/>
+              <a:t>subóptima</a:t>
+            </a:r>
+            <a:r>
+              <a:rPr lang="es-ES" sz="2400" dirty="0" smtClean="0"/>
+              <a:t>; sin embargo, también puede producir uno solución óptima para cualquier grafo dada la secuencia correcta de vértices. Por lo tanto, el orden de entrada de los vértices influye en el resultado.</a:t>
+            </a:r>
+            <a:endParaRPr lang="es-ES" sz="2200" dirty="0"/>
+          </a:p>
+        </p:txBody>
+      </p:sp>
+    </p:spTree>
+    <p:extLst>
+      <p:ext uri="{BB962C8B-B14F-4D97-AF65-F5344CB8AC3E}">
+        <p14:creationId xmlns:p14="http://schemas.microsoft.com/office/powerpoint/2010/main" val="447118295"/>
+      </p:ext>
+    </p:extLst>
+  </p:cSld>
+  <p:clrMapOvr>
+    <a:masterClrMapping/>
+  </p:clrMapOvr>
+  <mc:AlternateContent xmlns:mc="http://schemas.openxmlformats.org/markup-compatibility/2006">
+    <mc:Choice xmlns:p14="http://schemas.microsoft.com/office/powerpoint/2010/main" Requires="p14">
+      <p:transition spd="slow" p14:dur="2000"/>
+    </mc:Choice>
+    <mc:Fallback>
+      <p:transition spd="slow"/>
+    </mc:Fallback>
+  </mc:AlternateContent>
+  <p:timing>
+    <p:tnLst>
+      <p:par>
+        <p:cTn id="1" dur="indefinite" restart="never" nodeType="tmRoot"/>
+      </p:par>
+    </p:tnLst>
+  </p:timing>
+</p:sld>
+</file>
+
+<file path=ppt/slides/slide15.xml><?xml version="1.0" encoding="utf-8"?>
+<p:sld xmlns:a="http://schemas.openxmlformats.org/drawingml/2006/main" xmlns:r="http://schemas.openxmlformats.org/officeDocument/2006/relationships" xmlns:p="http://schemas.openxmlformats.org/presentationml/2006/main">
   <p:cSld>
     <p:spTree>
       <p:nvGrpSpPr>
@@ -9921,7 +10002,7 @@
         <p:spPr>
           <a:xfrm>
             <a:off x="6902824" y="2621250"/>
-            <a:ext cx="4876799" cy="1477328"/>
+            <a:ext cx="4876799" cy="2862322"/>
           </a:xfrm>
           <a:prstGeom prst="rect">
             <a:avLst/>
@@ -9945,919 +10026,48 @@
             </a:r>
           </a:p>
           <a:p>
+            <a:pPr lvl="0"/>
+            <a:endParaRPr lang="en-US" altLang="es-419" dirty="0" smtClean="0"/>
+          </a:p>
+          <a:p>
+            <a:pPr lvl="0" algn="r"/>
+            <a:r>
+              <a:rPr lang="en-US" altLang="es-419" dirty="0" smtClean="0"/>
+              <a:t>Lewis</a:t>
+            </a:r>
+            <a:r>
+              <a:rPr lang="en-US" altLang="es-419" dirty="0"/>
+              <a:t>, R.M.R. </a:t>
+            </a:r>
+            <a:r>
+              <a:rPr lang="en-US" altLang="es-419" dirty="0"/>
+              <a:t>A Guide to Graph </a:t>
+            </a:r>
+            <a:r>
+              <a:rPr lang="en-US" altLang="es-419" dirty="0" err="1"/>
+              <a:t>Colouring</a:t>
+            </a:r>
+            <a:r>
+              <a:rPr lang="en-US" altLang="es-419" dirty="0"/>
+              <a:t> Algorithms and Applications. Switzerland: Springer International, 2016.</a:t>
+            </a:r>
+          </a:p>
+          <a:p>
             <a:endParaRPr lang="en-US" dirty="0"/>
           </a:p>
           <a:p>
             <a:pPr algn="r"/>
+            <a:endParaRPr lang="es-ES" dirty="0" smtClean="0"/>
+          </a:p>
+          <a:p>
+            <a:pPr algn="r"/>
+            <a:r>
+              <a:rPr lang="es-ES" dirty="0" smtClean="0"/>
+              <a:t>Sergio </a:t>
+            </a:r>
             <a:r>
               <a:rPr lang="es-ES" dirty="0"/>
-              <a:t>Sergio Pena </a:t>
-            </a:r>
-            <a:r>
-              <a:rPr lang="es-ES" dirty="0" err="1"/>
-              <a:t>Seijas</a:t>
-            </a:r>
-            <a:r>
-              <a:rPr lang="es-ES" dirty="0"/>
-              <a:t>. Máster en Técnicas Estadísticas: El Problema de Coloración de Grafos. Curso 2016-2017.</a:t>
-            </a:r>
-            <a:endParaRPr lang="en-US" dirty="0"/>
-          </a:p>
-        </p:txBody>
-      </p:sp>
-    </p:spTree>
-    <p:extLst>
-      <p:ext uri="{BB962C8B-B14F-4D97-AF65-F5344CB8AC3E}">
-        <p14:creationId xmlns:p14="http://schemas.microsoft.com/office/powerpoint/2010/main" val="447118295"/>
-      </p:ext>
-    </p:extLst>
-  </p:cSld>
-  <p:clrMapOvr>
-    <a:masterClrMapping/>
-  </p:clrMapOvr>
-  <mc:AlternateContent xmlns:mc="http://schemas.openxmlformats.org/markup-compatibility/2006" xmlns:p14="http://schemas.microsoft.com/office/powerpoint/2010/main">
-    <mc:Choice Requires="p14">
-      <p:transition spd="slow" p14:dur="2000"/>
-    </mc:Choice>
-    <mc:Fallback xmlns="">
-      <p:transition spd="slow"/>
-    </mc:Fallback>
-  </mc:AlternateContent>
-  <p:timing>
-    <p:tnLst>
-      <p:par>
-        <p:cTn id="1" dur="indefinite" restart="never" nodeType="tmRoot"/>
-      </p:par>
-    </p:tnLst>
-  </p:timing>
-</p:sld>
-</file>
-
-<file path=ppt/slides/slide15.xml><?xml version="1.0" encoding="utf-8"?>
-<p:sld xmlns:a="http://schemas.openxmlformats.org/drawingml/2006/main" xmlns:r="http://schemas.openxmlformats.org/officeDocument/2006/relationships" xmlns:p="http://schemas.openxmlformats.org/presentationml/2006/main">
-  <p:cSld>
-    <p:spTree>
-      <p:nvGrpSpPr>
-        <p:cNvPr id="1" name=""/>
-        <p:cNvGrpSpPr/>
-        <p:nvPr/>
-      </p:nvGrpSpPr>
-      <p:grpSpPr>
-        <a:xfrm>
-          <a:off x="0" y="0"/>
-          <a:ext cx="0" cy="0"/>
-          <a:chOff x="0" y="0"/>
-          <a:chExt cx="0" cy="0"/>
-        </a:xfrm>
-      </p:grpSpPr>
-      <p:sp>
-        <p:nvSpPr>
-          <p:cNvPr id="2" name="Title 1"/>
-          <p:cNvSpPr>
-            <a:spLocks noGrp="1"/>
-          </p:cNvSpPr>
-          <p:nvPr>
-            <p:ph type="title"/>
-          </p:nvPr>
-        </p:nvSpPr>
-        <p:spPr>
-          <a:xfrm>
-            <a:off x="646111" y="291353"/>
-            <a:ext cx="9404723" cy="1400530"/>
-          </a:xfrm>
-        </p:spPr>
-        <p:txBody>
-          <a:bodyPr/>
-          <a:lstStyle/>
-          <a:p>
-            <a:r>
-              <a:rPr lang="es-ES" dirty="0"/>
-              <a:t>E</a:t>
-            </a:r>
-            <a:r>
-              <a:rPr lang="es-ES" dirty="0" smtClean="0"/>
-              <a:t>nfoque </a:t>
-            </a:r>
-            <a:r>
-              <a:rPr lang="es-ES" dirty="0"/>
-              <a:t>heurístico de solución</a:t>
-            </a:r>
-            <a:r>
-              <a:rPr lang="es-ES" dirty="0" smtClean="0"/>
-              <a:t>:</a:t>
-            </a:r>
-            <a:br>
-              <a:rPr lang="es-ES" dirty="0" smtClean="0"/>
-            </a:br>
-            <a:r>
-              <a:rPr lang="es-ES" dirty="0"/>
-              <a:t/>
-            </a:r>
-            <a:br>
-              <a:rPr lang="es-ES" dirty="0"/>
-            </a:br>
-            <a:endParaRPr lang="en-US" dirty="0"/>
-          </a:p>
-        </p:txBody>
-      </p:sp>
-      <mc:AlternateContent xmlns:mc="http://schemas.openxmlformats.org/markup-compatibility/2006" xmlns:a14="http://schemas.microsoft.com/office/drawing/2010/main">
-        <mc:Choice Requires="a14">
-          <p:sp>
-            <p:nvSpPr>
-              <p:cNvPr id="3" name="Content Placeholder 2"/>
-              <p:cNvSpPr>
-                <a:spLocks noGrp="1"/>
-              </p:cNvSpPr>
-              <p:nvPr>
-                <p:ph idx="1"/>
-              </p:nvPr>
-            </p:nvSpPr>
-            <p:spPr>
-              <a:xfrm>
-                <a:off x="788894" y="1570531"/>
-                <a:ext cx="10542494" cy="5056094"/>
-              </a:xfrm>
-            </p:spPr>
-            <p:txBody>
-              <a:bodyPr>
-                <a:normAutofit fontScale="62500" lnSpcReduction="20000"/>
-              </a:bodyPr>
-              <a:lstStyle/>
-              <a:p>
-                <a:pPr marL="0" indent="0">
-                  <a:buNone/>
-                </a:pPr>
-                <a:r>
-                  <a:rPr lang="es-ES" sz="2900" dirty="0" smtClean="0"/>
-                  <a:t>Algoritmo </a:t>
-                </a:r>
-                <a:r>
-                  <a:rPr lang="es-ES" sz="2900" dirty="0"/>
-                  <a:t>voraz para la coloración de </a:t>
-                </a:r>
-                <a:r>
-                  <a:rPr lang="es-ES" sz="2900" dirty="0" smtClean="0"/>
-                  <a:t>nodos</a:t>
-                </a:r>
-              </a:p>
-              <a:p>
-                <a:pPr marL="0" indent="0">
-                  <a:buNone/>
-                </a:pPr>
-                <a:endParaRPr lang="en-US" sz="2900" dirty="0"/>
-              </a:p>
-              <a:p>
-                <a:pPr marL="0" indent="0">
-                  <a:buNone/>
-                </a:pPr>
-                <a:r>
-                  <a:rPr lang="es-ES" sz="2900" dirty="0" err="1" smtClean="0"/>
-                  <a:t>Greedy</a:t>
-                </a:r>
-                <a:r>
-                  <a:rPr lang="es-ES" sz="2900" dirty="0" smtClean="0"/>
-                  <a:t> </a:t>
-                </a:r>
-                <a:r>
-                  <a:rPr lang="es-ES" sz="2900" dirty="0"/>
-                  <a:t>(S </a:t>
-                </a:r>
-                <a14:m>
-                  <m:oMath xmlns:m="http://schemas.openxmlformats.org/officeDocument/2006/math">
-                    <m:r>
-                      <a:rPr lang="es-ES" sz="2900" i="1">
-                        <a:latin typeface="Cambria Math" panose="02040503050406030204" pitchFamily="18" charset="0"/>
-                      </a:rPr>
-                      <m:t>←</m:t>
-                    </m:r>
-                  </m:oMath>
-                </a14:m>
-                <a:r>
-                  <a:rPr lang="es-ES" sz="2900" dirty="0"/>
-                  <a:t> ø,</a:t>
-                </a:r>
-                <a14:m>
-                  <m:oMath xmlns:m="http://schemas.openxmlformats.org/officeDocument/2006/math">
-                    <m:r>
-                      <a:rPr lang="es-ES" sz="2900" i="1">
-                        <a:latin typeface="Cambria Math" panose="02040503050406030204" pitchFamily="18" charset="0"/>
-                      </a:rPr>
-                      <m:t>𝜋</m:t>
-                    </m:r>
-                  </m:oMath>
-                </a14:m>
-                <a:r>
-                  <a:rPr lang="es-ES" sz="2900" dirty="0"/>
-                  <a:t>)</a:t>
-                </a:r>
-                <a:endParaRPr lang="en-US" sz="2900" dirty="0"/>
-              </a:p>
-              <a:p>
-                <a:pPr marL="0" indent="0">
-                  <a:buNone/>
-                </a:pPr>
-                <a:r>
-                  <a:rPr lang="en-US" sz="2900" b="1" dirty="0"/>
-                  <a:t>for </a:t>
-                </a:r>
-                <a:r>
-                  <a:rPr lang="en-US" sz="2900" dirty="0"/>
-                  <a:t>i</a:t>
-                </a:r>
-                <a14:m>
-                  <m:oMath xmlns:m="http://schemas.openxmlformats.org/officeDocument/2006/math">
-                    <m:r>
-                      <a:rPr lang="en-US" sz="2900" i="1">
-                        <a:latin typeface="Cambria Math" panose="02040503050406030204" pitchFamily="18" charset="0"/>
-                      </a:rPr>
-                      <m:t>←1</m:t>
-                    </m:r>
-                  </m:oMath>
-                </a14:m>
-                <a:r>
-                  <a:rPr lang="en-US" sz="2900" b="1" dirty="0"/>
-                  <a:t>to </a:t>
-                </a:r>
-                <a:r>
-                  <a:rPr lang="en-US" sz="2900" dirty="0"/>
-                  <a:t>|</a:t>
-                </a:r>
-                <a14:m>
-                  <m:oMath xmlns:m="http://schemas.openxmlformats.org/officeDocument/2006/math">
-                    <m:r>
-                      <a:rPr lang="en-US" sz="2900" i="1">
-                        <a:latin typeface="Cambria Math" panose="02040503050406030204" pitchFamily="18" charset="0"/>
-                      </a:rPr>
-                      <m:t>𝜋</m:t>
-                    </m:r>
-                  </m:oMath>
-                </a14:m>
-                <a:r>
-                  <a:rPr lang="en-US" sz="2900" dirty="0"/>
-                  <a:t>| </a:t>
-                </a:r>
-                <a:r>
-                  <a:rPr lang="en-US" sz="2900" b="1" dirty="0"/>
-                  <a:t>do</a:t>
-                </a:r>
-                <a:endParaRPr lang="en-US" sz="2900" dirty="0"/>
-              </a:p>
-              <a:p>
-                <a:pPr marL="0" indent="0">
-                  <a:buNone/>
-                </a:pPr>
-                <a:r>
-                  <a:rPr lang="en-US" sz="2900" b="1" dirty="0" smtClean="0"/>
-                  <a:t>	for</a:t>
-                </a:r>
-                <a:r>
-                  <a:rPr lang="en-US" sz="2900" dirty="0" smtClean="0"/>
-                  <a:t> </a:t>
-                </a:r>
-                <a:r>
-                  <a:rPr lang="en-US" sz="2900" dirty="0"/>
-                  <a:t>j</a:t>
-                </a:r>
-                <a14:m>
-                  <m:oMath xmlns:m="http://schemas.openxmlformats.org/officeDocument/2006/math">
-                    <m:r>
-                      <a:rPr lang="en-US" sz="2900" i="1">
-                        <a:latin typeface="Cambria Math" panose="02040503050406030204" pitchFamily="18" charset="0"/>
-                      </a:rPr>
-                      <m:t>←</m:t>
-                    </m:r>
-                  </m:oMath>
-                </a14:m>
-                <a:r>
-                  <a:rPr lang="en-US" sz="2900" dirty="0"/>
-                  <a:t>1 </a:t>
-                </a:r>
-                <a:r>
-                  <a:rPr lang="en-US" sz="2900" b="1" dirty="0"/>
-                  <a:t>to</a:t>
-                </a:r>
-                <a:r>
-                  <a:rPr lang="en-US" sz="2900" dirty="0"/>
-                  <a:t> |S|</a:t>
-                </a:r>
-              </a:p>
-              <a:p>
-                <a:pPr marL="0" indent="0">
-                  <a:buNone/>
-                </a:pPr>
-                <a:r>
-                  <a:rPr lang="en-US" sz="2900" dirty="0"/>
-                  <a:t>		</a:t>
-                </a:r>
-                <a:r>
-                  <a:rPr lang="en-US" sz="2900" b="1" dirty="0"/>
-                  <a:t>if</a:t>
-                </a:r>
-                <a:r>
-                  <a:rPr lang="en-US" sz="2900" dirty="0"/>
-                  <a:t>(</a:t>
-                </a:r>
-                <a14:m>
-                  <m:oMath xmlns:m="http://schemas.openxmlformats.org/officeDocument/2006/math">
-                    <m:sSub>
-                      <m:sSubPr>
-                        <m:ctrlPr>
-                          <a:rPr lang="en-US" sz="2900" i="1">
-                            <a:latin typeface="Cambria Math" panose="02040503050406030204" pitchFamily="18" charset="0"/>
-                          </a:rPr>
-                        </m:ctrlPr>
-                      </m:sSubPr>
-                      <m:e>
-                        <m:r>
-                          <a:rPr lang="es-ES" sz="2900" i="1">
-                            <a:latin typeface="Cambria Math" panose="02040503050406030204" pitchFamily="18" charset="0"/>
-                          </a:rPr>
-                          <m:t>𝑆</m:t>
-                        </m:r>
-                      </m:e>
-                      <m:sub>
-                        <m:r>
-                          <a:rPr lang="es-ES" sz="2900" i="1">
-                            <a:latin typeface="Cambria Math" panose="02040503050406030204" pitchFamily="18" charset="0"/>
-                          </a:rPr>
-                          <m:t>𝑗</m:t>
-                        </m:r>
-                        <m:r>
-                          <a:rPr lang="es-ES" sz="2900" i="1">
-                            <a:latin typeface="Cambria Math" panose="02040503050406030204" pitchFamily="18" charset="0"/>
-                          </a:rPr>
-                          <m:t> </m:t>
-                        </m:r>
-                      </m:sub>
-                    </m:sSub>
-                    <m:r>
-                      <a:rPr lang="en-US" sz="2900" i="1">
-                        <a:latin typeface="Cambria Math" panose="02040503050406030204" pitchFamily="18" charset="0"/>
-                      </a:rPr>
-                      <m:t>∪{</m:t>
-                    </m:r>
-                    <m:sSub>
-                      <m:sSubPr>
-                        <m:ctrlPr>
-                          <a:rPr lang="en-US" sz="2900" i="1">
-                            <a:latin typeface="Cambria Math" panose="02040503050406030204" pitchFamily="18" charset="0"/>
-                          </a:rPr>
-                        </m:ctrlPr>
-                      </m:sSubPr>
-                      <m:e>
-                        <m:r>
-                          <a:rPr lang="es-ES" sz="2900" i="1">
-                            <a:latin typeface="Cambria Math" panose="02040503050406030204" pitchFamily="18" charset="0"/>
-                          </a:rPr>
-                          <m:t>𝜋</m:t>
-                        </m:r>
-                      </m:e>
-                      <m:sub>
-                        <m:r>
-                          <a:rPr lang="es-ES" sz="2900" i="1">
-                            <a:latin typeface="Cambria Math" panose="02040503050406030204" pitchFamily="18" charset="0"/>
-                          </a:rPr>
-                          <m:t>𝑖</m:t>
-                        </m:r>
-                      </m:sub>
-                    </m:sSub>
-                    <m:r>
-                      <a:rPr lang="en-US" sz="2900" i="1">
-                        <a:latin typeface="Cambria Math" panose="02040503050406030204" pitchFamily="18" charset="0"/>
-                      </a:rPr>
-                      <m:t>}) </m:t>
-                    </m:r>
-                    <m:r>
-                      <a:rPr lang="es-ES" sz="2900" i="1">
-                        <a:latin typeface="Cambria Math" panose="02040503050406030204" pitchFamily="18" charset="0"/>
-                      </a:rPr>
-                      <m:t>𝑖𝑠</m:t>
-                    </m:r>
-                    <m:r>
-                      <a:rPr lang="es-ES" sz="2900" i="1">
-                        <a:latin typeface="Cambria Math" panose="02040503050406030204" pitchFamily="18" charset="0"/>
-                      </a:rPr>
-                      <m:t> </m:t>
-                    </m:r>
-                    <m:r>
-                      <a:rPr lang="es-ES" sz="2900" i="1">
-                        <a:latin typeface="Cambria Math" panose="02040503050406030204" pitchFamily="18" charset="0"/>
-                      </a:rPr>
-                      <m:t>𝑎𝑛</m:t>
-                    </m:r>
-                    <m:r>
-                      <a:rPr lang="es-ES" sz="2900" i="1">
-                        <a:latin typeface="Cambria Math" panose="02040503050406030204" pitchFamily="18" charset="0"/>
-                      </a:rPr>
-                      <m:t> </m:t>
-                    </m:r>
-                    <m:r>
-                      <a:rPr lang="es-ES" sz="2900" i="1">
-                        <a:latin typeface="Cambria Math" panose="02040503050406030204" pitchFamily="18" charset="0"/>
-                      </a:rPr>
-                      <m:t>𝑖𝑛𝑑𝑒𝑝𝑒𝑛𝑑𝑒𝑛𝑡</m:t>
-                    </m:r>
-                    <m:r>
-                      <a:rPr lang="es-ES" sz="2900" i="1">
-                        <a:latin typeface="Cambria Math" panose="02040503050406030204" pitchFamily="18" charset="0"/>
-                      </a:rPr>
-                      <m:t> </m:t>
-                    </m:r>
-                    <m:r>
-                      <a:rPr lang="es-ES" sz="2900" i="1">
-                        <a:latin typeface="Cambria Math" panose="02040503050406030204" pitchFamily="18" charset="0"/>
-                      </a:rPr>
-                      <m:t>𝑠𝑒𝑡</m:t>
-                    </m:r>
-                    <m:r>
-                      <a:rPr lang="es-ES" sz="2900" i="1">
-                        <a:latin typeface="Cambria Math" panose="02040503050406030204" pitchFamily="18" charset="0"/>
-                      </a:rPr>
-                      <m:t> </m:t>
-                    </m:r>
-                    <m:r>
-                      <a:rPr lang="es-ES" sz="2900" b="1" i="1">
-                        <a:latin typeface="Cambria Math" panose="02040503050406030204" pitchFamily="18" charset="0"/>
-                      </a:rPr>
-                      <m:t>𝒕𝒉𝒆𝒏</m:t>
-                    </m:r>
-                  </m:oMath>
-                </a14:m>
-                <a:endParaRPr lang="en-US" sz="2900" dirty="0"/>
-              </a:p>
-              <a:p>
-                <a:pPr marL="0" indent="0">
-                  <a:buNone/>
-                </a:pPr>
-                <a:r>
-                  <a:rPr lang="en-US" sz="2900" b="1" dirty="0"/>
-                  <a:t>			</a:t>
-                </a:r>
-                <a14:m>
-                  <m:oMath xmlns:m="http://schemas.openxmlformats.org/officeDocument/2006/math">
-                    <m:sSub>
-                      <m:sSubPr>
-                        <m:ctrlPr>
-                          <a:rPr lang="en-US" sz="2900" i="1">
-                            <a:latin typeface="Cambria Math" panose="02040503050406030204" pitchFamily="18" charset="0"/>
-                          </a:rPr>
-                        </m:ctrlPr>
-                      </m:sSubPr>
-                      <m:e>
-                        <m:r>
-                          <a:rPr lang="es-ES" sz="2900" i="1">
-                            <a:latin typeface="Cambria Math" panose="02040503050406030204" pitchFamily="18" charset="0"/>
-                          </a:rPr>
-                          <m:t>𝑆</m:t>
-                        </m:r>
-                      </m:e>
-                      <m:sub>
-                        <m:r>
-                          <a:rPr lang="es-ES" sz="2900" i="1">
-                            <a:latin typeface="Cambria Math" panose="02040503050406030204" pitchFamily="18" charset="0"/>
-                          </a:rPr>
-                          <m:t>𝑗</m:t>
-                        </m:r>
-                      </m:sub>
-                    </m:sSub>
-                    <m:r>
-                      <a:rPr lang="es-ES" sz="2900" i="1">
-                        <a:latin typeface="Cambria Math" panose="02040503050406030204" pitchFamily="18" charset="0"/>
-                      </a:rPr>
-                      <m:t>←</m:t>
-                    </m:r>
-                    <m:sSub>
-                      <m:sSubPr>
-                        <m:ctrlPr>
-                          <a:rPr lang="en-US" sz="2900" i="1">
-                            <a:latin typeface="Cambria Math" panose="02040503050406030204" pitchFamily="18" charset="0"/>
-                          </a:rPr>
-                        </m:ctrlPr>
-                      </m:sSubPr>
-                      <m:e>
-                        <m:r>
-                          <a:rPr lang="es-ES" sz="2900" i="1">
-                            <a:latin typeface="Cambria Math" panose="02040503050406030204" pitchFamily="18" charset="0"/>
-                          </a:rPr>
-                          <m:t>𝑆</m:t>
-                        </m:r>
-                      </m:e>
-                      <m:sub>
-                        <m:r>
-                          <a:rPr lang="es-ES" sz="2900" i="1">
-                            <a:latin typeface="Cambria Math" panose="02040503050406030204" pitchFamily="18" charset="0"/>
-                          </a:rPr>
-                          <m:t>𝑗</m:t>
-                        </m:r>
-                      </m:sub>
-                    </m:sSub>
-                    <m:r>
-                      <a:rPr lang="es-ES" sz="2900" i="1">
-                        <a:latin typeface="Cambria Math" panose="02040503050406030204" pitchFamily="18" charset="0"/>
-                      </a:rPr>
-                      <m:t>∪{</m:t>
-                    </m:r>
-                    <m:sSub>
-                      <m:sSubPr>
-                        <m:ctrlPr>
-                          <a:rPr lang="en-US" sz="2900" i="1">
-                            <a:latin typeface="Cambria Math" panose="02040503050406030204" pitchFamily="18" charset="0"/>
-                          </a:rPr>
-                        </m:ctrlPr>
-                      </m:sSubPr>
-                      <m:e>
-                        <m:r>
-                          <a:rPr lang="es-ES" sz="2900" i="1">
-                            <a:latin typeface="Cambria Math" panose="02040503050406030204" pitchFamily="18" charset="0"/>
-                          </a:rPr>
-                          <m:t>𝜋</m:t>
-                        </m:r>
-                      </m:e>
-                      <m:sub>
-                        <m:r>
-                          <a:rPr lang="es-ES" sz="2900" i="1">
-                            <a:latin typeface="Cambria Math" panose="02040503050406030204" pitchFamily="18" charset="0"/>
-                          </a:rPr>
-                          <m:t>𝑖</m:t>
-                        </m:r>
-                      </m:sub>
-                    </m:sSub>
-                    <m:r>
-                      <a:rPr lang="es-ES" sz="2900" i="1">
-                        <a:latin typeface="Cambria Math" panose="02040503050406030204" pitchFamily="18" charset="0"/>
-                      </a:rPr>
-                      <m:t>}</m:t>
-                    </m:r>
-                  </m:oMath>
-                </a14:m>
-                <a:endParaRPr lang="en-US" sz="2900" dirty="0"/>
-              </a:p>
-              <a:p>
-                <a:pPr marL="0" indent="0">
-                  <a:buNone/>
-                </a:pPr>
-                <a:r>
-                  <a:rPr lang="es-ES" sz="2900" dirty="0"/>
-                  <a:t>			</a:t>
-                </a:r>
-                <a:r>
-                  <a:rPr lang="en-US" sz="2900" b="1" dirty="0"/>
-                  <a:t>break</a:t>
-                </a:r>
-                <a:endParaRPr lang="en-US" sz="2900" dirty="0"/>
-              </a:p>
-              <a:p>
-                <a:pPr marL="0" indent="0">
-                  <a:buNone/>
-                </a:pPr>
-                <a:r>
-                  <a:rPr lang="en-US" sz="2900" b="1" dirty="0"/>
-                  <a:t>		else </a:t>
-                </a:r>
-                <a14:m>
-                  <m:oMath xmlns:m="http://schemas.openxmlformats.org/officeDocument/2006/math">
-                    <m:r>
-                      <a:rPr lang="es-ES" sz="2900" i="1">
-                        <a:latin typeface="Cambria Math" panose="02040503050406030204" pitchFamily="18" charset="0"/>
-                      </a:rPr>
-                      <m:t>𝑗</m:t>
-                    </m:r>
-                    <m:r>
-                      <a:rPr lang="en-US" sz="2900" i="1">
-                        <a:latin typeface="Cambria Math" panose="02040503050406030204" pitchFamily="18" charset="0"/>
-                      </a:rPr>
-                      <m:t>←</m:t>
-                    </m:r>
-                    <m:r>
-                      <a:rPr lang="es-ES" sz="2900" i="1">
-                        <a:latin typeface="Cambria Math" panose="02040503050406030204" pitchFamily="18" charset="0"/>
-                      </a:rPr>
-                      <m:t>𝑗</m:t>
-                    </m:r>
-                    <m:r>
-                      <a:rPr lang="en-US" sz="2900" i="1">
-                        <a:latin typeface="Cambria Math" panose="02040503050406030204" pitchFamily="18" charset="0"/>
-                      </a:rPr>
-                      <m:t>+1</m:t>
-                    </m:r>
-                  </m:oMath>
-                </a14:m>
-                <a:endParaRPr lang="en-US" sz="2900" dirty="0"/>
-              </a:p>
-              <a:p>
-                <a:pPr marL="0" indent="0">
-                  <a:buNone/>
-                </a:pPr>
-                <a:r>
-                  <a:rPr lang="en-US" sz="2900" dirty="0"/>
-                  <a:t>	</a:t>
-                </a:r>
-                <a:r>
-                  <a:rPr lang="en-US" sz="2900" b="1" dirty="0"/>
-                  <a:t>if </a:t>
-                </a:r>
-                <a14:m>
-                  <m:oMath xmlns:m="http://schemas.openxmlformats.org/officeDocument/2006/math">
-                    <m:r>
-                      <a:rPr lang="es-ES" sz="2900" i="1">
-                        <a:latin typeface="Cambria Math" panose="02040503050406030204" pitchFamily="18" charset="0"/>
-                      </a:rPr>
-                      <m:t>𝑗</m:t>
-                    </m:r>
-                    <m:r>
-                      <a:rPr lang="en-US" sz="2900" i="1">
-                        <a:latin typeface="Cambria Math" panose="02040503050406030204" pitchFamily="18" charset="0"/>
-                      </a:rPr>
-                      <m:t>&gt;</m:t>
-                    </m:r>
-                    <m:d>
-                      <m:dPr>
-                        <m:begChr m:val="|"/>
-                        <m:endChr m:val="|"/>
-                        <m:ctrlPr>
-                          <a:rPr lang="en-US" sz="2900" i="1">
-                            <a:latin typeface="Cambria Math" panose="02040503050406030204" pitchFamily="18" charset="0"/>
-                          </a:rPr>
-                        </m:ctrlPr>
-                      </m:dPr>
-                      <m:e>
-                        <m:r>
-                          <a:rPr lang="es-ES" sz="2900" i="1">
-                            <a:latin typeface="Cambria Math" panose="02040503050406030204" pitchFamily="18" charset="0"/>
-                          </a:rPr>
-                          <m:t>𝑆</m:t>
-                        </m:r>
-                      </m:e>
-                    </m:d>
-                    <m:r>
-                      <a:rPr lang="es-ES" sz="2900" b="1" i="1">
-                        <a:latin typeface="Cambria Math" panose="02040503050406030204" pitchFamily="18" charset="0"/>
-                      </a:rPr>
-                      <m:t> </m:t>
-                    </m:r>
-                    <m:r>
-                      <a:rPr lang="es-ES" sz="2900" b="1" i="1">
-                        <a:latin typeface="Cambria Math" panose="02040503050406030204" pitchFamily="18" charset="0"/>
-                      </a:rPr>
-                      <m:t>𝒕𝒉𝒆𝒏</m:t>
-                    </m:r>
-                  </m:oMath>
-                </a14:m>
-                <a:endParaRPr lang="en-US" sz="2900" dirty="0"/>
-              </a:p>
-              <a:p>
-                <a:pPr marL="0" indent="0">
-                  <a:buNone/>
-                </a:pPr>
-                <a:r>
-                  <a:rPr lang="en-US" sz="2900" b="1" dirty="0"/>
-                  <a:t>		</a:t>
-                </a:r>
-                <a14:m>
-                  <m:oMath xmlns:m="http://schemas.openxmlformats.org/officeDocument/2006/math">
-                    <m:sSub>
-                      <m:sSubPr>
-                        <m:ctrlPr>
-                          <a:rPr lang="en-US" sz="2900" i="1">
-                            <a:latin typeface="Cambria Math" panose="02040503050406030204" pitchFamily="18" charset="0"/>
-                          </a:rPr>
-                        </m:ctrlPr>
-                      </m:sSubPr>
-                      <m:e>
-                        <m:r>
-                          <a:rPr lang="es-ES" sz="2900" i="1">
-                            <a:latin typeface="Cambria Math" panose="02040503050406030204" pitchFamily="18" charset="0"/>
-                          </a:rPr>
-                          <m:t>𝑆</m:t>
-                        </m:r>
-                      </m:e>
-                      <m:sub>
-                        <m:r>
-                          <a:rPr lang="es-ES" sz="2900" i="1">
-                            <a:latin typeface="Cambria Math" panose="02040503050406030204" pitchFamily="18" charset="0"/>
-                          </a:rPr>
-                          <m:t>𝑗</m:t>
-                        </m:r>
-                      </m:sub>
-                    </m:sSub>
-                    <m:r>
-                      <a:rPr lang="es-ES" sz="2900" i="1">
-                        <a:latin typeface="Cambria Math" panose="02040503050406030204" pitchFamily="18" charset="0"/>
-                      </a:rPr>
-                      <m:t>←{</m:t>
-                    </m:r>
-                    <m:sSub>
-                      <m:sSubPr>
-                        <m:ctrlPr>
-                          <a:rPr lang="en-US" sz="2900" i="1">
-                            <a:latin typeface="Cambria Math" panose="02040503050406030204" pitchFamily="18" charset="0"/>
-                          </a:rPr>
-                        </m:ctrlPr>
-                      </m:sSubPr>
-                      <m:e>
-                        <m:r>
-                          <a:rPr lang="es-ES" sz="2900" i="1">
-                            <a:latin typeface="Cambria Math" panose="02040503050406030204" pitchFamily="18" charset="0"/>
-                          </a:rPr>
-                          <m:t>𝜋</m:t>
-                        </m:r>
-                      </m:e>
-                      <m:sub>
-                        <m:r>
-                          <a:rPr lang="es-ES" sz="2900" i="1">
-                            <a:latin typeface="Cambria Math" panose="02040503050406030204" pitchFamily="18" charset="0"/>
-                          </a:rPr>
-                          <m:t>𝑖</m:t>
-                        </m:r>
-                      </m:sub>
-                    </m:sSub>
-                    <m:r>
-                      <a:rPr lang="es-ES" sz="2900" i="1">
-                        <a:latin typeface="Cambria Math" panose="02040503050406030204" pitchFamily="18" charset="0"/>
-                      </a:rPr>
-                      <m:t>}</m:t>
-                    </m:r>
-                  </m:oMath>
-                </a14:m>
-                <a:endParaRPr lang="en-US" sz="2900" dirty="0"/>
-              </a:p>
-              <a:p>
-                <a:pPr marL="0" indent="0">
-                  <a:buNone/>
-                </a:pPr>
-                <a:r>
-                  <a:rPr lang="es-ES" sz="2900" dirty="0"/>
-                  <a:t>		</a:t>
-                </a:r>
-                <a14:m>
-                  <m:oMath xmlns:m="http://schemas.openxmlformats.org/officeDocument/2006/math">
-                    <m:r>
-                      <a:rPr lang="es-ES" sz="2900" i="1">
-                        <a:latin typeface="Cambria Math" panose="02040503050406030204" pitchFamily="18" charset="0"/>
-                      </a:rPr>
-                      <m:t>𝑆</m:t>
-                    </m:r>
-                    <m:r>
-                      <a:rPr lang="es-ES" sz="2900" i="1">
-                        <a:latin typeface="Cambria Math" panose="02040503050406030204" pitchFamily="18" charset="0"/>
-                      </a:rPr>
-                      <m:t> ←</m:t>
-                    </m:r>
-                    <m:r>
-                      <a:rPr lang="es-ES" sz="2900" i="1">
-                        <a:latin typeface="Cambria Math" panose="02040503050406030204" pitchFamily="18" charset="0"/>
-                      </a:rPr>
-                      <m:t>𝑆</m:t>
-                    </m:r>
-                    <m:r>
-                      <a:rPr lang="es-ES" sz="2900" i="1">
-                        <a:latin typeface="Cambria Math" panose="02040503050406030204" pitchFamily="18" charset="0"/>
-                      </a:rPr>
-                      <m:t> ∪ </m:t>
-                    </m:r>
-                    <m:sSub>
-                      <m:sSubPr>
-                        <m:ctrlPr>
-                          <a:rPr lang="en-US" sz="2900" i="1">
-                            <a:latin typeface="Cambria Math" panose="02040503050406030204" pitchFamily="18" charset="0"/>
-                          </a:rPr>
-                        </m:ctrlPr>
-                      </m:sSubPr>
-                      <m:e>
-                        <m:r>
-                          <a:rPr lang="es-ES" sz="2900" i="1">
-                            <a:latin typeface="Cambria Math" panose="02040503050406030204" pitchFamily="18" charset="0"/>
-                          </a:rPr>
-                          <m:t>𝑆</m:t>
-                        </m:r>
-                      </m:e>
-                      <m:sub>
-                        <m:r>
-                          <a:rPr lang="es-ES" sz="2900" i="1">
-                            <a:latin typeface="Cambria Math" panose="02040503050406030204" pitchFamily="18" charset="0"/>
-                          </a:rPr>
-                          <m:t>𝑗</m:t>
-                        </m:r>
-                      </m:sub>
-                    </m:sSub>
-                  </m:oMath>
-                </a14:m>
-                <a:endParaRPr lang="en-US" sz="2900" dirty="0" smtClean="0"/>
-              </a:p>
-              <a:p>
-                <a:pPr marL="0" indent="0">
-                  <a:buNone/>
-                </a:pPr>
-                <a:endParaRPr lang="en-US" sz="2900" dirty="0"/>
-              </a:p>
-              <a:p>
-                <a:pPr marL="0" lvl="0" indent="0">
-                  <a:buNone/>
-                </a:pPr>
-                <a:r>
-                  <a:rPr lang="es-ES" sz="2900" dirty="0"/>
-                  <a:t>Partimos de la solución vacía S = ∅ y de una permutación aleatoria de los vértices </a:t>
-                </a:r>
-                <a14:m>
-                  <m:oMath xmlns:m="http://schemas.openxmlformats.org/officeDocument/2006/math">
-                    <m:r>
-                      <a:rPr lang="en-US" sz="2900" i="1">
-                        <a:latin typeface="Cambria Math" panose="02040503050406030204" pitchFamily="18" charset="0"/>
-                      </a:rPr>
-                      <m:t>𝜋</m:t>
-                    </m:r>
-                  </m:oMath>
-                </a14:m>
-                <a:r>
-                  <a:rPr lang="es-ES" sz="2900" dirty="0"/>
-                  <a:t>.</a:t>
-                </a:r>
-                <a:endParaRPr lang="en-US" sz="2900" dirty="0"/>
-              </a:p>
-              <a:p>
-                <a:endParaRPr lang="es-419" sz="2200" dirty="0"/>
-              </a:p>
-            </p:txBody>
-          </p:sp>
-        </mc:Choice>
-        <mc:Fallback xmlns="">
-          <p:sp>
-            <p:nvSpPr>
-              <p:cNvPr id="3" name="Content Placeholder 2"/>
-              <p:cNvSpPr>
-                <a:spLocks noGrp="1" noRot="1" noChangeAspect="1" noMove="1" noResize="1" noEditPoints="1" noAdjustHandles="1" noChangeArrowheads="1" noChangeShapeType="1" noTextEdit="1"/>
-              </p:cNvSpPr>
-              <p:nvPr>
-                <p:ph idx="1"/>
-              </p:nvPr>
-            </p:nvSpPr>
-            <p:spPr>
-              <a:xfrm>
-                <a:off x="788894" y="1570531"/>
-                <a:ext cx="10542494" cy="5056094"/>
-              </a:xfrm>
-              <a:blipFill>
-                <a:blip r:embed="rId3"/>
-                <a:stretch>
-                  <a:fillRect l="-462" t="-1809"/>
-                </a:stretch>
-              </a:blipFill>
-            </p:spPr>
-            <p:txBody>
-              <a:bodyPr/>
-              <a:lstStyle/>
-              <a:p>
-                <a:r>
-                  <a:rPr lang="es-419">
-                    <a:noFill/>
-                  </a:rPr>
-                  <a:t> </a:t>
-                </a:r>
-              </a:p>
-            </p:txBody>
-          </p:sp>
-        </mc:Fallback>
-      </mc:AlternateContent>
-      <p:sp>
-        <p:nvSpPr>
-          <p:cNvPr id="4" name="TextBox 3"/>
-          <p:cNvSpPr txBox="1"/>
-          <p:nvPr/>
-        </p:nvSpPr>
-        <p:spPr>
-          <a:xfrm>
-            <a:off x="6902824" y="2621250"/>
-            <a:ext cx="4876799" cy="1477328"/>
-          </a:xfrm>
-          <a:prstGeom prst="rect">
-            <a:avLst/>
-          </a:prstGeom>
-          <a:noFill/>
-        </p:spPr>
-        <p:txBody>
-          <a:bodyPr wrap="square" rtlCol="0">
-            <a:spAutoFit/>
-          </a:bodyPr>
-          <a:lstStyle/>
-          <a:p>
-            <a:pPr algn="r"/>
-            <a:r>
-              <a:rPr lang="es-ES" dirty="0"/>
-              <a:t>Referencia </a:t>
-            </a:r>
-            <a:r>
-              <a:rPr lang="es-ES" dirty="0" smtClean="0"/>
-              <a:t>bibliográfica:</a:t>
-            </a:r>
-          </a:p>
-          <a:p>
-            <a:endParaRPr lang="en-US" dirty="0"/>
-          </a:p>
-          <a:p>
-            <a:pPr algn="r"/>
-            <a:r>
-              <a:rPr lang="es-ES" dirty="0"/>
-              <a:t>Sergio Pena </a:t>
+              <a:t>Pena </a:t>
             </a:r>
             <a:r>
               <a:rPr lang="es-ES" dirty="0" err="1"/>
@@ -16465,6 +15675,242 @@
                 <a:blip r:embed="rId2"/>
                 <a:stretch>
                   <a:fillRect l="-749" t="-595"/>
+                </a:stretch>
+              </a:blipFill>
+            </p:spPr>
+            <p:txBody>
+              <a:bodyPr/>
+              <a:lstStyle/>
+              <a:p>
+                <a:r>
+                  <a:rPr lang="es-419">
+                    <a:noFill/>
+                  </a:rPr>
+                  <a:t> </a:t>
+                </a:r>
+              </a:p>
+            </p:txBody>
+          </p:sp>
+        </mc:Fallback>
+      </mc:AlternateContent>
+      <mc:AlternateContent xmlns:mc="http://schemas.openxmlformats.org/markup-compatibility/2006">
+        <mc:Choice xmlns:a14="http://schemas.microsoft.com/office/drawing/2010/main" Requires="a14">
+          <p:sp>
+            <p:nvSpPr>
+              <p:cNvPr id="4" name="TextBox 3"/>
+              <p:cNvSpPr txBox="1"/>
+              <p:nvPr/>
+            </p:nvSpPr>
+            <p:spPr>
+              <a:xfrm>
+                <a:off x="6592389" y="1254034"/>
+                <a:ext cx="5538651" cy="1477328"/>
+              </a:xfrm>
+              <a:prstGeom prst="rect">
+                <a:avLst/>
+              </a:prstGeom>
+              <a:noFill/>
+            </p:spPr>
+            <p:txBody>
+              <a:bodyPr wrap="square" rtlCol="0">
+                <a:spAutoFit/>
+              </a:bodyPr>
+              <a:lstStyle/>
+              <a:p>
+                <a:r>
+                  <a:rPr lang="es-ES" dirty="0" smtClean="0"/>
+                  <a:t>Otro posibilidad es plantear el problema del coloreado de grafos como un problema de partición donde una solución S es representada por un conjunto de k clases de colores</a:t>
+                </a:r>
+                <a:r>
+                  <a:rPr lang="es-ES" dirty="0">
+                    <a:latin typeface="Cambria Math" panose="02040503050406030204" pitchFamily="18" charset="0"/>
+                  </a:rPr>
+                  <a:t> </a:t>
+                </a:r>
+                <a:endParaRPr lang="es-ES" dirty="0" smtClean="0">
+                  <a:latin typeface="Cambria Math" panose="02040503050406030204" pitchFamily="18" charset="0"/>
+                </a:endParaRPr>
+              </a:p>
+              <a:p>
+                <a14:m>
+                  <m:oMath xmlns:m="http://schemas.openxmlformats.org/officeDocument/2006/math">
+                    <m:r>
+                      <m:rPr>
+                        <m:sty m:val="p"/>
+                      </m:rPr>
+                      <a:rPr lang="es-ES" b="0" i="0" smtClean="0">
+                        <a:latin typeface="Cambria Math" panose="02040503050406030204" pitchFamily="18" charset="0"/>
+                      </a:rPr>
+                      <m:t>S</m:t>
+                    </m:r>
+                    <m:r>
+                      <a:rPr lang="es-ES" b="0" i="0" smtClean="0">
+                        <a:latin typeface="Cambria Math" panose="02040503050406030204" pitchFamily="18" charset="0"/>
+                      </a:rPr>
+                      <m:t>=</m:t>
+                    </m:r>
+                    <m:r>
+                      <a:rPr lang="en-US" i="1" smtClean="0">
+                        <a:latin typeface="Cambria Math" panose="02040503050406030204" pitchFamily="18" charset="0"/>
+                      </a:rPr>
+                      <m:t>{</m:t>
+                    </m:r>
+                    <m:sSub>
+                      <m:sSubPr>
+                        <m:ctrlPr>
+                          <a:rPr lang="en-US" i="1">
+                            <a:latin typeface="Cambria Math" panose="02040503050406030204" pitchFamily="18" charset="0"/>
+                          </a:rPr>
+                        </m:ctrlPr>
+                      </m:sSubPr>
+                      <m:e>
+                        <m:r>
+                          <a:rPr lang="en-US" i="1">
+                            <a:latin typeface="Cambria Math" panose="02040503050406030204" pitchFamily="18" charset="0"/>
+                          </a:rPr>
+                          <m:t>𝑆</m:t>
+                        </m:r>
+                      </m:e>
+                      <m:sub>
+                        <m:r>
+                          <a:rPr lang="en-US" i="1">
+                            <a:latin typeface="Cambria Math" panose="02040503050406030204" pitchFamily="18" charset="0"/>
+                          </a:rPr>
+                          <m:t>1</m:t>
+                        </m:r>
+                      </m:sub>
+                    </m:sSub>
+                    <m:r>
+                      <a:rPr lang="en-US" i="1">
+                        <a:latin typeface="Cambria Math" panose="02040503050406030204" pitchFamily="18" charset="0"/>
+                      </a:rPr>
+                      <m:t>,</m:t>
+                    </m:r>
+                    <m:sSub>
+                      <m:sSubPr>
+                        <m:ctrlPr>
+                          <a:rPr lang="en-US" i="1">
+                            <a:latin typeface="Cambria Math" panose="02040503050406030204" pitchFamily="18" charset="0"/>
+                          </a:rPr>
+                        </m:ctrlPr>
+                      </m:sSubPr>
+                      <m:e>
+                        <m:r>
+                          <a:rPr lang="en-US" i="1">
+                            <a:latin typeface="Cambria Math" panose="02040503050406030204" pitchFamily="18" charset="0"/>
+                          </a:rPr>
+                          <m:t>𝑆</m:t>
+                        </m:r>
+                      </m:e>
+                      <m:sub>
+                        <m:r>
+                          <a:rPr lang="en-US" i="1">
+                            <a:latin typeface="Cambria Math" panose="02040503050406030204" pitchFamily="18" charset="0"/>
+                          </a:rPr>
+                          <m:t>2</m:t>
+                        </m:r>
+                      </m:sub>
+                    </m:sSub>
+                    <m:r>
+                      <a:rPr lang="en-US" i="1">
+                        <a:latin typeface="Cambria Math" panose="02040503050406030204" pitchFamily="18" charset="0"/>
+                      </a:rPr>
+                      <m:t>,</m:t>
+                    </m:r>
+                    <m:sSub>
+                      <m:sSubPr>
+                        <m:ctrlPr>
+                          <a:rPr lang="en-US" i="1">
+                            <a:latin typeface="Cambria Math" panose="02040503050406030204" pitchFamily="18" charset="0"/>
+                          </a:rPr>
+                        </m:ctrlPr>
+                      </m:sSubPr>
+                      <m:e>
+                        <m:r>
+                          <a:rPr lang="en-US" i="1">
+                            <a:latin typeface="Cambria Math" panose="02040503050406030204" pitchFamily="18" charset="0"/>
+                          </a:rPr>
+                          <m:t>𝑆</m:t>
+                        </m:r>
+                      </m:e>
+                      <m:sub>
+                        <m:r>
+                          <a:rPr lang="en-US" i="1">
+                            <a:latin typeface="Cambria Math" panose="02040503050406030204" pitchFamily="18" charset="0"/>
+                          </a:rPr>
+                          <m:t>3</m:t>
+                        </m:r>
+                      </m:sub>
+                    </m:sSub>
+                    <m:r>
+                      <a:rPr lang="en-US" i="1">
+                        <a:latin typeface="Cambria Math" panose="02040503050406030204" pitchFamily="18" charset="0"/>
+                      </a:rPr>
+                      <m:t>…</m:t>
+                    </m:r>
+                    <m:sSub>
+                      <m:sSubPr>
+                        <m:ctrlPr>
+                          <a:rPr lang="en-US" i="1">
+                            <a:latin typeface="Cambria Math" panose="02040503050406030204" pitchFamily="18" charset="0"/>
+                          </a:rPr>
+                        </m:ctrlPr>
+                      </m:sSubPr>
+                      <m:e>
+                        <m:r>
+                          <a:rPr lang="en-US" i="1">
+                            <a:latin typeface="Cambria Math" panose="02040503050406030204" pitchFamily="18" charset="0"/>
+                          </a:rPr>
+                          <m:t>𝑆</m:t>
+                        </m:r>
+                      </m:e>
+                      <m:sub>
+                        <m:r>
+                          <a:rPr lang="es-ES" b="0" i="1" smtClean="0">
+                            <a:latin typeface="Cambria Math" panose="02040503050406030204" pitchFamily="18" charset="0"/>
+                          </a:rPr>
+                          <m:t>𝑘</m:t>
+                        </m:r>
+                      </m:sub>
+                    </m:sSub>
+                    <m:r>
+                      <a:rPr lang="en-US" i="1">
+                        <a:latin typeface="Cambria Math" panose="02040503050406030204" pitchFamily="18" charset="0"/>
+                      </a:rPr>
+                      <m:t>}</m:t>
+                    </m:r>
+                  </m:oMath>
+                </a14:m>
+                <a:r>
+                  <a:rPr lang="es-419" dirty="0" smtClean="0"/>
+                  <a:t> </a:t>
+                </a:r>
+                <a:endParaRPr lang="es-419" dirty="0"/>
+              </a:p>
+            </p:txBody>
+          </p:sp>
+        </mc:Choice>
+        <mc:Fallback>
+          <p:sp>
+            <p:nvSpPr>
+              <p:cNvPr id="4" name="TextBox 3"/>
+              <p:cNvSpPr txBox="1">
+                <a:spLocks noRot="1" noChangeAspect="1" noMove="1" noResize="1" noEditPoints="1" noAdjustHandles="1" noChangeArrowheads="1" noChangeShapeType="1" noTextEdit="1"/>
+              </p:cNvSpPr>
+              <p:nvPr/>
+            </p:nvSpPr>
+            <p:spPr>
+              <a:xfrm>
+                <a:off x="6592389" y="1254034"/>
+                <a:ext cx="5538651" cy="1477328"/>
+              </a:xfrm>
+              <a:prstGeom prst="rect">
+                <a:avLst/>
+              </a:prstGeom>
+              <a:blipFill>
+                <a:blip r:embed="rId3"/>
+                <a:stretch>
+                  <a:fillRect l="-880" t="-2479" r="-1540" b="-4132"/>
                 </a:stretch>
               </a:blipFill>
             </p:spPr>
